--- a/플롯.pptx
+++ b/플롯.pptx
@@ -6,6 +6,8 @@
   </p:sldMasterIdLst>
   <p:sldIdLst>
     <p:sldId id="266" r:id="rId2"/>
+    <p:sldId id="267" r:id="rId3"/>
+    <p:sldId id="268" r:id="rId4"/>
   </p:sldIdLst>
   <p:sldSz cx="12192000" cy="6858000"/>
   <p:notesSz cx="6858000" cy="9144000"/>
@@ -104,6 +106,11 @@
       </a:defRPr>
     </a:lvl9pPr>
   </p:defaultTextStyle>
+  <p:extLst>
+    <p:ext uri="{EFAFB233-063F-42B5-8137-9DF3F51BA10A}">
+      <p15:sldGuideLst xmlns:p15="http://schemas.microsoft.com/office/powerpoint/2012/main"/>
+    </p:ext>
+  </p:extLst>
 </p:presentation>
 </file>
 
@@ -3371,7 +3378,7 @@
         <p:spPr>
           <a:xfrm>
             <a:off x="487913" y="1003973"/>
-            <a:ext cx="11319388" cy="2031325"/>
+            <a:ext cx="11319388" cy="2862322"/>
           </a:xfrm>
           <a:prstGeom prst="rect">
             <a:avLst/>
@@ -3510,15 +3517,18 @@
             </a:r>
             <a:r>
               <a:rPr lang="ko-KR" altLang="en-US" dirty="0"/>
-              <a:t>시간 정도일 듯</a:t>
-            </a:r>
-            <a:r>
-              <a:rPr lang="en-US" altLang="ko-KR" dirty="0"/>
-              <a:t>? </a:t>
-            </a:r>
+              <a:t>시간 정도 예상</a:t>
+            </a:r>
+            <a:endParaRPr lang="en-US" altLang="ko-KR" dirty="0"/>
+          </a:p>
+          <a:p>
+            <a:pPr marL="285750" indent="-285750">
+              <a:buFontTx/>
+              <a:buChar char="-"/>
+            </a:pPr>
             <a:r>
               <a:rPr lang="ko-KR" altLang="en-US" dirty="0"/>
-              <a:t>하지만 </a:t>
+              <a:t>유저의 숙련도에 따라 진행 속도가 달라지기 때문에 적당해 보임</a:t>
             </a:r>
             <a:endParaRPr lang="en-US" altLang="ko-KR" dirty="0"/>
           </a:p>
@@ -3537,6 +3547,20 @@
             <a:endParaRPr lang="en-US" altLang="ko-KR" dirty="0"/>
           </a:p>
           <a:p>
+            <a:pPr marL="285750" indent="-285750">
+              <a:buFontTx/>
+              <a:buChar char="-"/>
+            </a:pPr>
+            <a:endParaRPr lang="en-US" altLang="ko-KR" dirty="0"/>
+          </a:p>
+          <a:p>
+            <a:pPr marL="285750" indent="-285750">
+              <a:buFontTx/>
+              <a:buChar char="-"/>
+            </a:pPr>
+            <a:endParaRPr lang="en-US" altLang="ko-KR" dirty="0"/>
+          </a:p>
+          <a:p>
             <a:endParaRPr lang="en-US" altLang="ko-KR" dirty="0"/>
           </a:p>
         </p:txBody>
@@ -3545,6 +3569,535 @@
     <p:extLst>
       <p:ext uri="{BB962C8B-B14F-4D97-AF65-F5344CB8AC3E}">
         <p14:creationId xmlns:p14="http://schemas.microsoft.com/office/powerpoint/2010/main" val="1062390423"/>
+      </p:ext>
+    </p:extLst>
+  </p:cSld>
+  <p:clrMapOvr>
+    <a:masterClrMapping/>
+  </p:clrMapOvr>
+</p:sld>
+</file>
+
+<file path=ppt/slides/slide2.xml><?xml version="1.0" encoding="utf-8"?>
+<p:sld xmlns:a="http://schemas.openxmlformats.org/drawingml/2006/main" xmlns:r="http://schemas.openxmlformats.org/officeDocument/2006/relationships" xmlns:p="http://schemas.openxmlformats.org/presentationml/2006/main">
+  <p:cSld>
+    <p:spTree>
+      <p:nvGrpSpPr>
+        <p:cNvPr id="1" name=""/>
+        <p:cNvGrpSpPr/>
+        <p:nvPr/>
+      </p:nvGrpSpPr>
+      <p:grpSpPr>
+        <a:xfrm>
+          <a:off x="0" y="0"/>
+          <a:ext cx="0" cy="0"/>
+          <a:chOff x="0" y="0"/>
+          <a:chExt cx="0" cy="0"/>
+        </a:xfrm>
+      </p:grpSpPr>
+      <p:sp>
+        <p:nvSpPr>
+          <p:cNvPr id="9" name="TextBox 8">
+            <a:extLst>
+              <a:ext uri="{FF2B5EF4-FFF2-40B4-BE49-F238E27FC236}">
+                <a16:creationId xmlns:a16="http://schemas.microsoft.com/office/drawing/2014/main" id="{7C3AEEB5-635B-CC9E-A34E-9221454EB919}"/>
+              </a:ext>
+            </a:extLst>
+          </p:cNvPr>
+          <p:cNvSpPr txBox="1"/>
+          <p:nvPr/>
+        </p:nvSpPr>
+        <p:spPr>
+          <a:xfrm>
+            <a:off x="574431" y="439615"/>
+            <a:ext cx="1502334" cy="369332"/>
+          </a:xfrm>
+          <a:prstGeom prst="rect">
+            <a:avLst/>
+          </a:prstGeom>
+          <a:noFill/>
+        </p:spPr>
+        <p:txBody>
+          <a:bodyPr wrap="none" rtlCol="0">
+            <a:spAutoFit/>
+          </a:bodyPr>
+          <a:lstStyle/>
+          <a:p>
+            <a:r>
+              <a:rPr lang="ko-KR" altLang="en-US" dirty="0"/>
+              <a:t>게임 시작 전</a:t>
+            </a:r>
+          </a:p>
+        </p:txBody>
+      </p:sp>
+      <p:sp>
+        <p:nvSpPr>
+          <p:cNvPr id="11" name="TextBox 10">
+            <a:extLst>
+              <a:ext uri="{FF2B5EF4-FFF2-40B4-BE49-F238E27FC236}">
+                <a16:creationId xmlns:a16="http://schemas.microsoft.com/office/drawing/2014/main" id="{BE1D231D-2F7F-F83F-96CF-2CDE57F99C49}"/>
+              </a:ext>
+            </a:extLst>
+          </p:cNvPr>
+          <p:cNvSpPr txBox="1"/>
+          <p:nvPr/>
+        </p:nvSpPr>
+        <p:spPr>
+          <a:xfrm>
+            <a:off x="487913" y="1003973"/>
+            <a:ext cx="11319388" cy="2862322"/>
+          </a:xfrm>
+          <a:prstGeom prst="rect">
+            <a:avLst/>
+          </a:prstGeom>
+          <a:noFill/>
+        </p:spPr>
+        <p:txBody>
+          <a:bodyPr wrap="square" rtlCol="0">
+            <a:spAutoFit/>
+          </a:bodyPr>
+          <a:lstStyle/>
+          <a:p>
+            <a:pPr marL="285750" indent="-285750">
+              <a:buFontTx/>
+              <a:buChar char="-"/>
+            </a:pPr>
+            <a:r>
+              <a:rPr lang="ko-KR" altLang="en-US" dirty="0"/>
+              <a:t>들고 갈 수집요소 결정</a:t>
+            </a:r>
+            <a:r>
+              <a:rPr lang="en-US" altLang="ko-KR" dirty="0"/>
+              <a:t>.</a:t>
+            </a:r>
+          </a:p>
+          <a:p>
+            <a:pPr marL="285750" indent="-285750">
+              <a:buFontTx/>
+              <a:buChar char="-"/>
+            </a:pPr>
+            <a:endParaRPr lang="en-US" altLang="ko-KR" dirty="0"/>
+          </a:p>
+          <a:p>
+            <a:pPr marL="285750" indent="-285750">
+              <a:buFontTx/>
+              <a:buChar char="-"/>
+            </a:pPr>
+            <a:r>
+              <a:rPr lang="ko-KR" altLang="en-US" dirty="0"/>
+              <a:t>예언 단계 진행</a:t>
+            </a:r>
+            <a:r>
+              <a:rPr lang="en-US" altLang="ko-KR" dirty="0"/>
+              <a:t>.</a:t>
+            </a:r>
+          </a:p>
+          <a:p>
+            <a:pPr marL="285750" indent="-285750">
+              <a:buFontTx/>
+              <a:buChar char="-"/>
+            </a:pPr>
+            <a:r>
+              <a:rPr lang="ko-KR" altLang="en-US" dirty="0"/>
+              <a:t>예언의 구조</a:t>
+            </a:r>
+            <a:r>
+              <a:rPr lang="en-US" altLang="ko-KR" dirty="0"/>
+              <a:t>: </a:t>
+            </a:r>
+            <a:r>
+              <a:rPr lang="ko-KR" altLang="en-US" dirty="0"/>
+              <a:t>선택과 기로</a:t>
+            </a:r>
+            <a:endParaRPr lang="en-US" altLang="ko-KR" dirty="0"/>
+          </a:p>
+          <a:p>
+            <a:pPr marL="285750" indent="-285750">
+              <a:buFontTx/>
+              <a:buChar char="-"/>
+            </a:pPr>
+            <a:r>
+              <a:rPr lang="ko-KR" altLang="en-US" dirty="0"/>
+              <a:t>선택</a:t>
+            </a:r>
+            <a:r>
+              <a:rPr lang="en-US" altLang="ko-KR" dirty="0"/>
+              <a:t>: </a:t>
+            </a:r>
+            <a:r>
+              <a:rPr lang="ko-KR" altLang="en-US" dirty="0"/>
+              <a:t>속성</a:t>
+            </a:r>
+            <a:r>
+              <a:rPr lang="en-US" altLang="ko-KR" dirty="0"/>
+              <a:t>, </a:t>
+            </a:r>
+            <a:r>
+              <a:rPr lang="ko-KR" altLang="en-US" dirty="0"/>
+              <a:t>주 특성 부 특성 고르기</a:t>
+            </a:r>
+            <a:r>
+              <a:rPr lang="en-US" altLang="ko-KR" dirty="0"/>
+              <a:t>, </a:t>
+            </a:r>
+            <a:r>
+              <a:rPr lang="ko-KR" altLang="en-US" dirty="0"/>
+              <a:t>처음에 등장할 인물 고르기</a:t>
+            </a:r>
+            <a:r>
+              <a:rPr lang="en-US" altLang="ko-KR" dirty="0"/>
+              <a:t>.</a:t>
+            </a:r>
+          </a:p>
+          <a:p>
+            <a:pPr marL="285750" indent="-285750">
+              <a:buFontTx/>
+              <a:buChar char="-"/>
+            </a:pPr>
+            <a:r>
+              <a:rPr lang="ko-KR" altLang="en-US" dirty="0"/>
+              <a:t>기로</a:t>
+            </a:r>
+            <a:r>
+              <a:rPr lang="en-US" altLang="ko-KR" dirty="0"/>
+              <a:t>: </a:t>
+            </a:r>
+            <a:r>
+              <a:rPr lang="ko-KR" altLang="en-US" dirty="0"/>
+              <a:t>해당 회차에서 얻을 추가 능력 </a:t>
+            </a:r>
+            <a:r>
+              <a:rPr lang="ko-KR" altLang="en-US" dirty="0" err="1"/>
+              <a:t>세개와</a:t>
+            </a:r>
+            <a:r>
+              <a:rPr lang="ko-KR" altLang="en-US" dirty="0"/>
+              <a:t> 겪어야 하는 시련 하나의 예고</a:t>
+            </a:r>
+            <a:r>
+              <a:rPr lang="en-US" altLang="ko-KR" dirty="0"/>
+              <a:t>.</a:t>
+            </a:r>
+          </a:p>
+          <a:p>
+            <a:pPr marL="285750" indent="-285750">
+              <a:buFontTx/>
+              <a:buChar char="-"/>
+            </a:pPr>
+            <a:endParaRPr lang="en-US" altLang="ko-KR" dirty="0"/>
+          </a:p>
+          <a:p>
+            <a:pPr marL="285750" indent="-285750">
+              <a:buFontTx/>
+              <a:buChar char="-"/>
+            </a:pPr>
+            <a:endParaRPr lang="en-US" altLang="ko-KR" dirty="0"/>
+          </a:p>
+          <a:p>
+            <a:pPr marL="285750" indent="-285750">
+              <a:buFontTx/>
+              <a:buChar char="-"/>
+            </a:pPr>
+            <a:endParaRPr lang="en-US" altLang="ko-KR" dirty="0"/>
+          </a:p>
+          <a:p>
+            <a:endParaRPr lang="en-US" altLang="ko-KR" dirty="0"/>
+          </a:p>
+        </p:txBody>
+      </p:sp>
+    </p:spTree>
+    <p:extLst>
+      <p:ext uri="{BB962C8B-B14F-4D97-AF65-F5344CB8AC3E}">
+        <p14:creationId xmlns:p14="http://schemas.microsoft.com/office/powerpoint/2010/main" val="3168712548"/>
+      </p:ext>
+    </p:extLst>
+  </p:cSld>
+  <p:clrMapOvr>
+    <a:masterClrMapping/>
+  </p:clrMapOvr>
+</p:sld>
+</file>
+
+<file path=ppt/slides/slide3.xml><?xml version="1.0" encoding="utf-8"?>
+<p:sld xmlns:a="http://schemas.openxmlformats.org/drawingml/2006/main" xmlns:r="http://schemas.openxmlformats.org/officeDocument/2006/relationships" xmlns:p="http://schemas.openxmlformats.org/presentationml/2006/main">
+  <p:cSld>
+    <p:spTree>
+      <p:nvGrpSpPr>
+        <p:cNvPr id="1" name=""/>
+        <p:cNvGrpSpPr/>
+        <p:nvPr/>
+      </p:nvGrpSpPr>
+      <p:grpSpPr>
+        <a:xfrm>
+          <a:off x="0" y="0"/>
+          <a:ext cx="0" cy="0"/>
+          <a:chOff x="0" y="0"/>
+          <a:chExt cx="0" cy="0"/>
+        </a:xfrm>
+      </p:grpSpPr>
+      <p:sp>
+        <p:nvSpPr>
+          <p:cNvPr id="9" name="TextBox 8">
+            <a:extLst>
+              <a:ext uri="{FF2B5EF4-FFF2-40B4-BE49-F238E27FC236}">
+                <a16:creationId xmlns:a16="http://schemas.microsoft.com/office/drawing/2014/main" id="{7C3AEEB5-635B-CC9E-A34E-9221454EB919}"/>
+              </a:ext>
+            </a:extLst>
+          </p:cNvPr>
+          <p:cNvSpPr txBox="1"/>
+          <p:nvPr/>
+        </p:nvSpPr>
+        <p:spPr>
+          <a:xfrm>
+            <a:off x="574431" y="439615"/>
+            <a:ext cx="646331" cy="369332"/>
+          </a:xfrm>
+          <a:prstGeom prst="rect">
+            <a:avLst/>
+          </a:prstGeom>
+          <a:noFill/>
+        </p:spPr>
+        <p:txBody>
+          <a:bodyPr wrap="none" rtlCol="0">
+            <a:spAutoFit/>
+          </a:bodyPr>
+          <a:lstStyle/>
+          <a:p>
+            <a:r>
+              <a:rPr lang="ko-KR" altLang="en-US" dirty="0"/>
+              <a:t>패배</a:t>
+            </a:r>
+          </a:p>
+        </p:txBody>
+      </p:sp>
+      <p:sp>
+        <p:nvSpPr>
+          <p:cNvPr id="11" name="TextBox 10">
+            <a:extLst>
+              <a:ext uri="{FF2B5EF4-FFF2-40B4-BE49-F238E27FC236}">
+                <a16:creationId xmlns:a16="http://schemas.microsoft.com/office/drawing/2014/main" id="{BE1D231D-2F7F-F83F-96CF-2CDE57F99C49}"/>
+              </a:ext>
+            </a:extLst>
+          </p:cNvPr>
+          <p:cNvSpPr txBox="1"/>
+          <p:nvPr/>
+        </p:nvSpPr>
+        <p:spPr>
+          <a:xfrm>
+            <a:off x="487913" y="1003973"/>
+            <a:ext cx="11319388" cy="3139321"/>
+          </a:xfrm>
+          <a:prstGeom prst="rect">
+            <a:avLst/>
+          </a:prstGeom>
+          <a:noFill/>
+        </p:spPr>
+        <p:txBody>
+          <a:bodyPr wrap="square" rtlCol="0">
+            <a:spAutoFit/>
+          </a:bodyPr>
+          <a:lstStyle/>
+          <a:p>
+            <a:pPr marL="285750" indent="-285750">
+              <a:buFontTx/>
+              <a:buChar char="-"/>
+            </a:pPr>
+            <a:r>
+              <a:rPr lang="ko-KR" altLang="en-US" dirty="0"/>
+              <a:t>체력이 다하게 되거나 보스전에서 지면 패배</a:t>
+            </a:r>
+            <a:r>
+              <a:rPr lang="en-US" altLang="ko-KR" dirty="0"/>
+              <a:t>.</a:t>
+            </a:r>
+          </a:p>
+          <a:p>
+            <a:pPr marL="285750" indent="-285750">
+              <a:buFontTx/>
+              <a:buChar char="-"/>
+            </a:pPr>
+            <a:endParaRPr lang="en-US" altLang="ko-KR" dirty="0"/>
+          </a:p>
+          <a:p>
+            <a:pPr marL="285750" indent="-285750">
+              <a:buFontTx/>
+              <a:buChar char="-"/>
+            </a:pPr>
+            <a:r>
+              <a:rPr lang="ko-KR" altLang="en-US" dirty="0" err="1"/>
+              <a:t>패배시</a:t>
+            </a:r>
+            <a:r>
+              <a:rPr lang="ko-KR" altLang="en-US" dirty="0"/>
+              <a:t> 첫 </a:t>
+            </a:r>
+            <a:r>
+              <a:rPr lang="ko-KR" altLang="en-US" dirty="0" err="1"/>
+              <a:t>예언가가</a:t>
+            </a:r>
+            <a:r>
+              <a:rPr lang="ko-KR" altLang="en-US" dirty="0"/>
+              <a:t> 다시 등장하여 기록을 알려 줌</a:t>
+            </a:r>
+            <a:r>
+              <a:rPr lang="en-US" altLang="ko-KR" dirty="0"/>
+              <a:t>. </a:t>
+            </a:r>
+            <a:r>
+              <a:rPr lang="ko-KR" altLang="en-US" dirty="0"/>
+              <a:t>기록의 점수에 따라 새로운 요소 해금</a:t>
+            </a:r>
+            <a:r>
+              <a:rPr lang="en-US" altLang="ko-KR" dirty="0"/>
+              <a:t>.</a:t>
+            </a:r>
+          </a:p>
+          <a:p>
+            <a:pPr marL="285750" indent="-285750">
+              <a:buFontTx/>
+              <a:buChar char="-"/>
+            </a:pPr>
+            <a:r>
+              <a:rPr lang="ko-KR" altLang="en-US" dirty="0"/>
+              <a:t>처음 등장하는 이벤트</a:t>
+            </a:r>
+            <a:r>
+              <a:rPr lang="en-US" altLang="ko-KR" dirty="0"/>
+              <a:t>, </a:t>
+            </a:r>
+            <a:r>
+              <a:rPr lang="ko-KR" altLang="en-US" dirty="0"/>
+              <a:t>수집 요소</a:t>
+            </a:r>
+            <a:r>
+              <a:rPr lang="en-US" altLang="ko-KR" dirty="0"/>
+              <a:t>, </a:t>
+            </a:r>
+            <a:r>
+              <a:rPr lang="ko-KR" altLang="en-US" dirty="0"/>
+              <a:t>동료 획득 시 원 점수 그대로 획득</a:t>
+            </a:r>
+            <a:r>
+              <a:rPr lang="en-US" altLang="ko-KR" dirty="0"/>
+              <a:t>.</a:t>
+            </a:r>
+          </a:p>
+          <a:p>
+            <a:pPr marL="285750" indent="-285750">
+              <a:buFontTx/>
+              <a:buChar char="-"/>
+            </a:pPr>
+            <a:r>
+              <a:rPr lang="ko-KR" altLang="en-US" dirty="0"/>
+              <a:t>중복일 시에는 점수의 </a:t>
+            </a:r>
+            <a:r>
+              <a:rPr lang="en-US" altLang="ko-KR" dirty="0"/>
+              <a:t>1/10 </a:t>
+            </a:r>
+            <a:r>
+              <a:rPr lang="ko-KR" altLang="en-US" dirty="0"/>
+              <a:t>획득</a:t>
+            </a:r>
+            <a:r>
+              <a:rPr lang="en-US" altLang="ko-KR" dirty="0"/>
+              <a:t>.</a:t>
+            </a:r>
+          </a:p>
+          <a:p>
+            <a:r>
+              <a:rPr lang="en-US" altLang="ko-KR" dirty="0"/>
+              <a:t>+</a:t>
+            </a:r>
+            <a:r>
+              <a:rPr lang="ko-KR" altLang="en-US" dirty="0"/>
+              <a:t> </a:t>
+            </a:r>
+            <a:r>
+              <a:rPr lang="ko-KR" altLang="en-US" dirty="0" err="1"/>
+              <a:t>예언가의</a:t>
+            </a:r>
+            <a:r>
+              <a:rPr lang="ko-KR" altLang="en-US" dirty="0"/>
+              <a:t> 힌트 혹은 한마디</a:t>
+            </a:r>
+            <a:r>
+              <a:rPr lang="en-US" altLang="ko-KR" dirty="0"/>
+              <a:t>?</a:t>
+            </a:r>
+          </a:p>
+          <a:p>
+            <a:endParaRPr lang="en-US" altLang="ko-KR" dirty="0"/>
+          </a:p>
+          <a:p>
+            <a:r>
+              <a:rPr lang="en-US" altLang="ko-KR" dirty="0"/>
+              <a:t>-  </a:t>
+            </a:r>
+            <a:r>
+              <a:rPr lang="ko-KR" altLang="en-US" dirty="0"/>
+              <a:t>얻은 점수들은 누적되어</a:t>
+            </a:r>
+            <a:r>
+              <a:rPr lang="en-US" altLang="ko-KR" dirty="0"/>
+              <a:t>, </a:t>
+            </a:r>
+            <a:r>
+              <a:rPr lang="ko-KR" altLang="en-US" dirty="0"/>
+              <a:t>일정 수준 </a:t>
+            </a:r>
+            <a:r>
+              <a:rPr lang="ko-KR" altLang="en-US" dirty="0" err="1"/>
+              <a:t>달성시</a:t>
+            </a:r>
+            <a:r>
+              <a:rPr lang="ko-KR" altLang="en-US" dirty="0"/>
+              <a:t> 새로운 이벤트</a:t>
+            </a:r>
+            <a:r>
+              <a:rPr lang="en-US" altLang="ko-KR" dirty="0"/>
+              <a:t>, </a:t>
+            </a:r>
+            <a:r>
+              <a:rPr lang="ko-KR" altLang="en-US" dirty="0"/>
+              <a:t>수집 요소</a:t>
+            </a:r>
+            <a:r>
+              <a:rPr lang="en-US" altLang="ko-KR" dirty="0"/>
+              <a:t>, </a:t>
+            </a:r>
+            <a:r>
+              <a:rPr lang="ko-KR" altLang="en-US" dirty="0"/>
+              <a:t>동료 해금</a:t>
+            </a:r>
+            <a:r>
+              <a:rPr lang="en-US" altLang="ko-KR" dirty="0"/>
+              <a:t>.</a:t>
+            </a:r>
+          </a:p>
+          <a:p>
+            <a:pPr marL="285750" indent="-285750">
+              <a:buFontTx/>
+              <a:buChar char="-"/>
+            </a:pPr>
+            <a:endParaRPr lang="en-US" altLang="ko-KR" dirty="0"/>
+          </a:p>
+          <a:p>
+            <a:pPr marL="285750" indent="-285750">
+              <a:buFontTx/>
+              <a:buChar char="-"/>
+            </a:pPr>
+            <a:endParaRPr lang="en-US" altLang="ko-KR" dirty="0"/>
+          </a:p>
+          <a:p>
+            <a:endParaRPr lang="en-US" altLang="ko-KR" dirty="0"/>
+          </a:p>
+        </p:txBody>
+      </p:sp>
+    </p:spTree>
+    <p:extLst>
+      <p:ext uri="{BB962C8B-B14F-4D97-AF65-F5344CB8AC3E}">
+        <p14:creationId xmlns:p14="http://schemas.microsoft.com/office/powerpoint/2010/main" val="1520501263"/>
       </p:ext>
     </p:extLst>
   </p:cSld>

--- a/플롯.pptx
+++ b/플롯.pptx
@@ -6,8 +6,9 @@
   </p:sldMasterIdLst>
   <p:sldIdLst>
     <p:sldId id="266" r:id="rId2"/>
-    <p:sldId id="267" r:id="rId3"/>
-    <p:sldId id="268" r:id="rId4"/>
+    <p:sldId id="269" r:id="rId3"/>
+    <p:sldId id="267" r:id="rId4"/>
+    <p:sldId id="268" r:id="rId5"/>
   </p:sldIdLst>
   <p:sldSz cx="12192000" cy="6858000"/>
   <p:notesSz cx="6858000" cy="9144000"/>
@@ -261,7 +262,7 @@
           <a:p>
             <a:fld id="{5C026953-134E-44C4-8A9C-30A939654550}" type="datetimeFigureOut">
               <a:rPr lang="ko-KR" altLang="en-US" smtClean="0"/>
-              <a:t>2024-03-25</a:t>
+              <a:t>2024-03-27</a:t>
             </a:fld>
             <a:endParaRPr lang="ko-KR" altLang="en-US"/>
           </a:p>
@@ -459,7 +460,7 @@
           <a:p>
             <a:fld id="{5C026953-134E-44C4-8A9C-30A939654550}" type="datetimeFigureOut">
               <a:rPr lang="ko-KR" altLang="en-US" smtClean="0"/>
-              <a:t>2024-03-25</a:t>
+              <a:t>2024-03-27</a:t>
             </a:fld>
             <a:endParaRPr lang="ko-KR" altLang="en-US"/>
           </a:p>
@@ -667,7 +668,7 @@
           <a:p>
             <a:fld id="{5C026953-134E-44C4-8A9C-30A939654550}" type="datetimeFigureOut">
               <a:rPr lang="ko-KR" altLang="en-US" smtClean="0"/>
-              <a:t>2024-03-25</a:t>
+              <a:t>2024-03-27</a:t>
             </a:fld>
             <a:endParaRPr lang="ko-KR" altLang="en-US"/>
           </a:p>
@@ -865,7 +866,7 @@
           <a:p>
             <a:fld id="{5C026953-134E-44C4-8A9C-30A939654550}" type="datetimeFigureOut">
               <a:rPr lang="ko-KR" altLang="en-US" smtClean="0"/>
-              <a:t>2024-03-25</a:t>
+              <a:t>2024-03-27</a:t>
             </a:fld>
             <a:endParaRPr lang="ko-KR" altLang="en-US"/>
           </a:p>
@@ -1140,7 +1141,7 @@
           <a:p>
             <a:fld id="{5C026953-134E-44C4-8A9C-30A939654550}" type="datetimeFigureOut">
               <a:rPr lang="ko-KR" altLang="en-US" smtClean="0"/>
-              <a:t>2024-03-25</a:t>
+              <a:t>2024-03-27</a:t>
             </a:fld>
             <a:endParaRPr lang="ko-KR" altLang="en-US"/>
           </a:p>
@@ -1405,7 +1406,7 @@
           <a:p>
             <a:fld id="{5C026953-134E-44C4-8A9C-30A939654550}" type="datetimeFigureOut">
               <a:rPr lang="ko-KR" altLang="en-US" smtClean="0"/>
-              <a:t>2024-03-25</a:t>
+              <a:t>2024-03-27</a:t>
             </a:fld>
             <a:endParaRPr lang="ko-KR" altLang="en-US"/>
           </a:p>
@@ -1817,7 +1818,7 @@
           <a:p>
             <a:fld id="{5C026953-134E-44C4-8A9C-30A939654550}" type="datetimeFigureOut">
               <a:rPr lang="ko-KR" altLang="en-US" smtClean="0"/>
-              <a:t>2024-03-25</a:t>
+              <a:t>2024-03-27</a:t>
             </a:fld>
             <a:endParaRPr lang="ko-KR" altLang="en-US"/>
           </a:p>
@@ -1958,7 +1959,7 @@
           <a:p>
             <a:fld id="{5C026953-134E-44C4-8A9C-30A939654550}" type="datetimeFigureOut">
               <a:rPr lang="ko-KR" altLang="en-US" smtClean="0"/>
-              <a:t>2024-03-25</a:t>
+              <a:t>2024-03-27</a:t>
             </a:fld>
             <a:endParaRPr lang="ko-KR" altLang="en-US"/>
           </a:p>
@@ -2071,7 +2072,7 @@
           <a:p>
             <a:fld id="{5C026953-134E-44C4-8A9C-30A939654550}" type="datetimeFigureOut">
               <a:rPr lang="ko-KR" altLang="en-US" smtClean="0"/>
-              <a:t>2024-03-25</a:t>
+              <a:t>2024-03-27</a:t>
             </a:fld>
             <a:endParaRPr lang="ko-KR" altLang="en-US"/>
           </a:p>
@@ -2382,7 +2383,7 @@
           <a:p>
             <a:fld id="{5C026953-134E-44C4-8A9C-30A939654550}" type="datetimeFigureOut">
               <a:rPr lang="ko-KR" altLang="en-US" smtClean="0"/>
-              <a:t>2024-03-25</a:t>
+              <a:t>2024-03-27</a:t>
             </a:fld>
             <a:endParaRPr lang="ko-KR" altLang="en-US"/>
           </a:p>
@@ -2670,7 +2671,7 @@
           <a:p>
             <a:fld id="{5C026953-134E-44C4-8A9C-30A939654550}" type="datetimeFigureOut">
               <a:rPr lang="ko-KR" altLang="en-US" smtClean="0"/>
-              <a:t>2024-03-25</a:t>
+              <a:t>2024-03-27</a:t>
             </a:fld>
             <a:endParaRPr lang="ko-KR" altLang="en-US"/>
           </a:p>
@@ -2911,7 +2912,7 @@
           <a:p>
             <a:fld id="{5C026953-134E-44C4-8A9C-30A939654550}" type="datetimeFigureOut">
               <a:rPr lang="ko-KR" altLang="en-US" smtClean="0"/>
-              <a:t>2024-03-25</a:t>
+              <a:t>2024-03-27</a:t>
             </a:fld>
             <a:endParaRPr lang="ko-KR" altLang="en-US"/>
           </a:p>
@@ -3610,6 +3611,1408 @@
         <p:spPr>
           <a:xfrm>
             <a:off x="574431" y="439615"/>
+            <a:ext cx="877163" cy="369332"/>
+          </a:xfrm>
+          <a:prstGeom prst="rect">
+            <a:avLst/>
+          </a:prstGeom>
+          <a:noFill/>
+        </p:spPr>
+        <p:txBody>
+          <a:bodyPr wrap="none" rtlCol="0">
+            <a:spAutoFit/>
+          </a:bodyPr>
+          <a:lstStyle/>
+          <a:p>
+            <a:r>
+              <a:rPr lang="ko-KR" altLang="en-US" dirty="0"/>
+              <a:t>플로우</a:t>
+            </a:r>
+          </a:p>
+        </p:txBody>
+      </p:sp>
+      <p:sp>
+        <p:nvSpPr>
+          <p:cNvPr id="2" name="직사각형 1">
+            <a:extLst>
+              <a:ext uri="{FF2B5EF4-FFF2-40B4-BE49-F238E27FC236}">
+                <a16:creationId xmlns:a16="http://schemas.microsoft.com/office/drawing/2014/main" id="{F6F1AFBF-D240-414F-D2AA-8AC71D5EECB6}"/>
+              </a:ext>
+            </a:extLst>
+          </p:cNvPr>
+          <p:cNvSpPr/>
+          <p:nvPr/>
+        </p:nvSpPr>
+        <p:spPr>
+          <a:xfrm>
+            <a:off x="1181594" y="1009403"/>
+            <a:ext cx="1229097" cy="475013"/>
+          </a:xfrm>
+          <a:prstGeom prst="rect">
+            <a:avLst/>
+          </a:prstGeom>
+          <a:solidFill>
+            <a:schemeClr val="bg1"/>
+          </a:solidFill>
+        </p:spPr>
+        <p:style>
+          <a:lnRef idx="2">
+            <a:schemeClr val="accent1">
+              <a:shade val="15000"/>
+            </a:schemeClr>
+          </a:lnRef>
+          <a:fillRef idx="1">
+            <a:schemeClr val="accent1"/>
+          </a:fillRef>
+          <a:effectRef idx="0">
+            <a:schemeClr val="accent1"/>
+          </a:effectRef>
+          <a:fontRef idx="minor">
+            <a:schemeClr val="lt1"/>
+          </a:fontRef>
+        </p:style>
+        <p:txBody>
+          <a:bodyPr rtlCol="0" anchor="ctr"/>
+          <a:lstStyle/>
+          <a:p>
+            <a:pPr algn="ctr"/>
+            <a:r>
+              <a:rPr lang="ko-KR" altLang="en-US" dirty="0">
+                <a:solidFill>
+                  <a:schemeClr val="tx1"/>
+                </a:solidFill>
+              </a:rPr>
+              <a:t>게임 시작</a:t>
+            </a:r>
+          </a:p>
+        </p:txBody>
+      </p:sp>
+      <p:cxnSp>
+        <p:nvCxnSpPr>
+          <p:cNvPr id="4" name="직선 화살표 연결선 3">
+            <a:extLst>
+              <a:ext uri="{FF2B5EF4-FFF2-40B4-BE49-F238E27FC236}">
+                <a16:creationId xmlns:a16="http://schemas.microsoft.com/office/drawing/2014/main" id="{9B344048-0526-AE66-8193-D8C3C35E6CCB}"/>
+              </a:ext>
+            </a:extLst>
+          </p:cNvPr>
+          <p:cNvCxnSpPr/>
+          <p:nvPr/>
+        </p:nvCxnSpPr>
+        <p:spPr>
+          <a:xfrm>
+            <a:off x="2618509" y="1246909"/>
+            <a:ext cx="1015340" cy="0"/>
+          </a:xfrm>
+          <a:prstGeom prst="straightConnector1">
+            <a:avLst/>
+          </a:prstGeom>
+          <a:ln>
+            <a:tailEnd type="triangle"/>
+          </a:ln>
+        </p:spPr>
+        <p:style>
+          <a:lnRef idx="2">
+            <a:schemeClr val="dk1"/>
+          </a:lnRef>
+          <a:fillRef idx="0">
+            <a:schemeClr val="dk1"/>
+          </a:fillRef>
+          <a:effectRef idx="1">
+            <a:schemeClr val="dk1"/>
+          </a:effectRef>
+          <a:fontRef idx="minor">
+            <a:schemeClr val="tx1"/>
+          </a:fontRef>
+        </p:style>
+      </p:cxnSp>
+      <p:sp>
+        <p:nvSpPr>
+          <p:cNvPr id="5" name="이등변 삼각형 4">
+            <a:extLst>
+              <a:ext uri="{FF2B5EF4-FFF2-40B4-BE49-F238E27FC236}">
+                <a16:creationId xmlns:a16="http://schemas.microsoft.com/office/drawing/2014/main" id="{60447ED9-BF65-C43B-5C19-7B9E6AE949DE}"/>
+              </a:ext>
+            </a:extLst>
+          </p:cNvPr>
+          <p:cNvSpPr/>
+          <p:nvPr/>
+        </p:nvSpPr>
+        <p:spPr>
+          <a:xfrm>
+            <a:off x="3990109" y="1009404"/>
+            <a:ext cx="1442852" cy="474988"/>
+          </a:xfrm>
+          <a:prstGeom prst="triangle">
+            <a:avLst>
+              <a:gd name="adj" fmla="val 50000"/>
+            </a:avLst>
+          </a:prstGeom>
+          <a:solidFill>
+            <a:schemeClr val="bg1"/>
+          </a:solidFill>
+        </p:spPr>
+        <p:style>
+          <a:lnRef idx="2">
+            <a:schemeClr val="accent1">
+              <a:shade val="15000"/>
+            </a:schemeClr>
+          </a:lnRef>
+          <a:fillRef idx="1">
+            <a:schemeClr val="accent1"/>
+          </a:fillRef>
+          <a:effectRef idx="0">
+            <a:schemeClr val="accent1"/>
+          </a:effectRef>
+          <a:fontRef idx="minor">
+            <a:schemeClr val="lt1"/>
+          </a:fontRef>
+        </p:style>
+        <p:txBody>
+          <a:bodyPr rtlCol="0" anchor="ctr"/>
+          <a:lstStyle/>
+          <a:p>
+            <a:pPr algn="ctr"/>
+            <a:r>
+              <a:rPr lang="ko-KR" altLang="en-US" dirty="0">
+                <a:solidFill>
+                  <a:schemeClr val="tx1"/>
+                </a:solidFill>
+              </a:rPr>
+              <a:t>예언</a:t>
+            </a:r>
+          </a:p>
+        </p:txBody>
+      </p:sp>
+      <p:cxnSp>
+        <p:nvCxnSpPr>
+          <p:cNvPr id="6" name="직선 화살표 연결선 5">
+            <a:extLst>
+              <a:ext uri="{FF2B5EF4-FFF2-40B4-BE49-F238E27FC236}">
+                <a16:creationId xmlns:a16="http://schemas.microsoft.com/office/drawing/2014/main" id="{2F6CD141-F154-85A2-DC68-1682C33AFFEF}"/>
+              </a:ext>
+            </a:extLst>
+          </p:cNvPr>
+          <p:cNvCxnSpPr/>
+          <p:nvPr/>
+        </p:nvCxnSpPr>
+        <p:spPr>
+          <a:xfrm>
+            <a:off x="5870368" y="1246909"/>
+            <a:ext cx="1015340" cy="0"/>
+          </a:xfrm>
+          <a:prstGeom prst="straightConnector1">
+            <a:avLst/>
+          </a:prstGeom>
+          <a:ln>
+            <a:tailEnd type="triangle"/>
+          </a:ln>
+        </p:spPr>
+        <p:style>
+          <a:lnRef idx="2">
+            <a:schemeClr val="dk1"/>
+          </a:lnRef>
+          <a:fillRef idx="0">
+            <a:schemeClr val="dk1"/>
+          </a:fillRef>
+          <a:effectRef idx="1">
+            <a:schemeClr val="dk1"/>
+          </a:effectRef>
+          <a:fontRef idx="minor">
+            <a:schemeClr val="tx1"/>
+          </a:fontRef>
+        </p:style>
+      </p:cxnSp>
+      <p:sp>
+        <p:nvSpPr>
+          <p:cNvPr id="7" name="타원 6">
+            <a:extLst>
+              <a:ext uri="{FF2B5EF4-FFF2-40B4-BE49-F238E27FC236}">
+                <a16:creationId xmlns:a16="http://schemas.microsoft.com/office/drawing/2014/main" id="{151C5669-DF75-D287-8F56-3FAE9206D0EE}"/>
+              </a:ext>
+            </a:extLst>
+          </p:cNvPr>
+          <p:cNvSpPr/>
+          <p:nvPr/>
+        </p:nvSpPr>
+        <p:spPr>
+          <a:xfrm>
+            <a:off x="7220197" y="1009403"/>
+            <a:ext cx="1442852" cy="474989"/>
+          </a:xfrm>
+          <a:prstGeom prst="ellipse">
+            <a:avLst/>
+          </a:prstGeom>
+          <a:solidFill>
+            <a:schemeClr val="bg1"/>
+          </a:solidFill>
+        </p:spPr>
+        <p:style>
+          <a:lnRef idx="2">
+            <a:schemeClr val="accent1">
+              <a:shade val="15000"/>
+            </a:schemeClr>
+          </a:lnRef>
+          <a:fillRef idx="1">
+            <a:schemeClr val="accent1"/>
+          </a:fillRef>
+          <a:effectRef idx="0">
+            <a:schemeClr val="accent1"/>
+          </a:effectRef>
+          <a:fontRef idx="minor">
+            <a:schemeClr val="lt1"/>
+          </a:fontRef>
+        </p:style>
+        <p:txBody>
+          <a:bodyPr rtlCol="0" anchor="ctr"/>
+          <a:lstStyle/>
+          <a:p>
+            <a:pPr algn="ctr"/>
+            <a:r>
+              <a:rPr lang="ko-KR" altLang="en-US" dirty="0">
+                <a:solidFill>
+                  <a:schemeClr val="tx1"/>
+                </a:solidFill>
+              </a:rPr>
+              <a:t>이벤트</a:t>
+            </a:r>
+            <a:endParaRPr lang="en-US" altLang="ko-KR" dirty="0">
+              <a:solidFill>
+                <a:schemeClr val="tx1"/>
+              </a:solidFill>
+            </a:endParaRPr>
+          </a:p>
+          <a:p>
+            <a:pPr algn="ctr"/>
+            <a:r>
+              <a:rPr lang="en-US" altLang="ko-KR" dirty="0">
+                <a:solidFill>
+                  <a:schemeClr val="tx1"/>
+                </a:solidFill>
+              </a:rPr>
+              <a:t>(</a:t>
+            </a:r>
+            <a:r>
+              <a:rPr lang="ko-KR" altLang="en-US" dirty="0">
+                <a:solidFill>
+                  <a:schemeClr val="tx1"/>
+                </a:solidFill>
+              </a:rPr>
+              <a:t>동료</a:t>
+            </a:r>
+            <a:r>
+              <a:rPr lang="en-US" altLang="ko-KR" dirty="0">
+                <a:solidFill>
+                  <a:schemeClr val="tx1"/>
+                </a:solidFill>
+              </a:rPr>
+              <a:t>)</a:t>
+            </a:r>
+            <a:endParaRPr lang="ko-KR" altLang="en-US" dirty="0">
+              <a:solidFill>
+                <a:schemeClr val="tx1"/>
+              </a:solidFill>
+            </a:endParaRPr>
+          </a:p>
+        </p:txBody>
+      </p:sp>
+      <p:sp>
+        <p:nvSpPr>
+          <p:cNvPr id="8" name="타원 7">
+            <a:extLst>
+              <a:ext uri="{FF2B5EF4-FFF2-40B4-BE49-F238E27FC236}">
+                <a16:creationId xmlns:a16="http://schemas.microsoft.com/office/drawing/2014/main" id="{87C62F77-79D9-A335-F502-E598BEAA36BE}"/>
+              </a:ext>
+            </a:extLst>
+          </p:cNvPr>
+          <p:cNvSpPr/>
+          <p:nvPr/>
+        </p:nvSpPr>
+        <p:spPr>
+          <a:xfrm>
+            <a:off x="1897082" y="2179122"/>
+            <a:ext cx="1229097" cy="475012"/>
+          </a:xfrm>
+          <a:prstGeom prst="ellipse">
+            <a:avLst/>
+          </a:prstGeom>
+          <a:solidFill>
+            <a:schemeClr val="bg1"/>
+          </a:solidFill>
+        </p:spPr>
+        <p:style>
+          <a:lnRef idx="2">
+            <a:schemeClr val="accent1">
+              <a:shade val="15000"/>
+            </a:schemeClr>
+          </a:lnRef>
+          <a:fillRef idx="1">
+            <a:schemeClr val="accent1"/>
+          </a:fillRef>
+          <a:effectRef idx="0">
+            <a:schemeClr val="accent1"/>
+          </a:effectRef>
+          <a:fontRef idx="minor">
+            <a:schemeClr val="lt1"/>
+          </a:fontRef>
+        </p:style>
+        <p:txBody>
+          <a:bodyPr rtlCol="0" anchor="ctr"/>
+          <a:lstStyle/>
+          <a:p>
+            <a:pPr algn="ctr"/>
+            <a:r>
+              <a:rPr lang="ko-KR" altLang="en-US" sz="1200" dirty="0">
+                <a:solidFill>
+                  <a:schemeClr val="tx1"/>
+                </a:solidFill>
+              </a:rPr>
+              <a:t>육성 선택</a:t>
+            </a:r>
+          </a:p>
+        </p:txBody>
+      </p:sp>
+      <p:sp>
+        <p:nvSpPr>
+          <p:cNvPr id="10" name="타원 9">
+            <a:extLst>
+              <a:ext uri="{FF2B5EF4-FFF2-40B4-BE49-F238E27FC236}">
+                <a16:creationId xmlns:a16="http://schemas.microsoft.com/office/drawing/2014/main" id="{BC327F17-8703-1276-0A28-D0F8A4C735A5}"/>
+              </a:ext>
+            </a:extLst>
+          </p:cNvPr>
+          <p:cNvSpPr/>
+          <p:nvPr/>
+        </p:nvSpPr>
+        <p:spPr>
+          <a:xfrm>
+            <a:off x="4405744" y="2179122"/>
+            <a:ext cx="1229097" cy="475012"/>
+          </a:xfrm>
+          <a:prstGeom prst="ellipse">
+            <a:avLst/>
+          </a:prstGeom>
+          <a:solidFill>
+            <a:schemeClr val="bg1"/>
+          </a:solidFill>
+        </p:spPr>
+        <p:style>
+          <a:lnRef idx="2">
+            <a:schemeClr val="accent1">
+              <a:shade val="15000"/>
+            </a:schemeClr>
+          </a:lnRef>
+          <a:fillRef idx="1">
+            <a:schemeClr val="accent1"/>
+          </a:fillRef>
+          <a:effectRef idx="0">
+            <a:schemeClr val="accent1"/>
+          </a:effectRef>
+          <a:fontRef idx="minor">
+            <a:schemeClr val="lt1"/>
+          </a:fontRef>
+        </p:style>
+        <p:txBody>
+          <a:bodyPr rtlCol="0" anchor="ctr"/>
+          <a:lstStyle/>
+          <a:p>
+            <a:pPr algn="ctr"/>
+            <a:r>
+              <a:rPr lang="ko-KR" altLang="en-US" sz="1200" dirty="0">
+                <a:solidFill>
+                  <a:schemeClr val="tx1"/>
+                </a:solidFill>
+              </a:rPr>
+              <a:t>이벤트</a:t>
+            </a:r>
+          </a:p>
+        </p:txBody>
+      </p:sp>
+      <p:cxnSp>
+        <p:nvCxnSpPr>
+          <p:cNvPr id="12" name="직선 화살표 연결선 11">
+            <a:extLst>
+              <a:ext uri="{FF2B5EF4-FFF2-40B4-BE49-F238E27FC236}">
+                <a16:creationId xmlns:a16="http://schemas.microsoft.com/office/drawing/2014/main" id="{68229991-F63C-2CD4-563A-DA53CAD455BE}"/>
+              </a:ext>
+            </a:extLst>
+          </p:cNvPr>
+          <p:cNvCxnSpPr/>
+          <p:nvPr/>
+        </p:nvCxnSpPr>
+        <p:spPr>
+          <a:xfrm>
+            <a:off x="3287486" y="2416628"/>
+            <a:ext cx="1015340" cy="0"/>
+          </a:xfrm>
+          <a:prstGeom prst="straightConnector1">
+            <a:avLst/>
+          </a:prstGeom>
+          <a:ln>
+            <a:prstDash val="sysDash"/>
+            <a:tailEnd type="triangle"/>
+          </a:ln>
+        </p:spPr>
+        <p:style>
+          <a:lnRef idx="2">
+            <a:schemeClr val="dk1"/>
+          </a:lnRef>
+          <a:fillRef idx="0">
+            <a:schemeClr val="dk1"/>
+          </a:fillRef>
+          <a:effectRef idx="1">
+            <a:schemeClr val="dk1"/>
+          </a:effectRef>
+          <a:fontRef idx="minor">
+            <a:schemeClr val="tx1"/>
+          </a:fontRef>
+        </p:style>
+      </p:cxnSp>
+      <p:sp>
+        <p:nvSpPr>
+          <p:cNvPr id="13" name="타원 12">
+            <a:extLst>
+              <a:ext uri="{FF2B5EF4-FFF2-40B4-BE49-F238E27FC236}">
+                <a16:creationId xmlns:a16="http://schemas.microsoft.com/office/drawing/2014/main" id="{917E4A2D-8376-150E-75C0-E7A35B573F97}"/>
+              </a:ext>
+            </a:extLst>
+          </p:cNvPr>
+          <p:cNvSpPr/>
+          <p:nvPr/>
+        </p:nvSpPr>
+        <p:spPr>
+          <a:xfrm>
+            <a:off x="3180607" y="3348840"/>
+            <a:ext cx="1229097" cy="475012"/>
+          </a:xfrm>
+          <a:prstGeom prst="ellipse">
+            <a:avLst/>
+          </a:prstGeom>
+          <a:solidFill>
+            <a:schemeClr val="bg1"/>
+          </a:solidFill>
+        </p:spPr>
+        <p:style>
+          <a:lnRef idx="2">
+            <a:schemeClr val="accent1">
+              <a:shade val="15000"/>
+            </a:schemeClr>
+          </a:lnRef>
+          <a:fillRef idx="1">
+            <a:schemeClr val="accent1"/>
+          </a:fillRef>
+          <a:effectRef idx="0">
+            <a:schemeClr val="accent1"/>
+          </a:effectRef>
+          <a:fontRef idx="minor">
+            <a:schemeClr val="lt1"/>
+          </a:fontRef>
+        </p:style>
+        <p:txBody>
+          <a:bodyPr rtlCol="0" anchor="ctr"/>
+          <a:lstStyle/>
+          <a:p>
+            <a:pPr algn="ctr"/>
+            <a:r>
+              <a:rPr lang="ko-KR" altLang="en-US" sz="1200" dirty="0">
+                <a:solidFill>
+                  <a:schemeClr val="tx1"/>
+                </a:solidFill>
+              </a:rPr>
+              <a:t>이벤트</a:t>
+            </a:r>
+          </a:p>
+        </p:txBody>
+      </p:sp>
+      <p:cxnSp>
+        <p:nvCxnSpPr>
+          <p:cNvPr id="14" name="직선 화살표 연결선 13">
+            <a:extLst>
+              <a:ext uri="{FF2B5EF4-FFF2-40B4-BE49-F238E27FC236}">
+                <a16:creationId xmlns:a16="http://schemas.microsoft.com/office/drawing/2014/main" id="{393EECB9-A8FA-E846-AE36-6028205BB5E7}"/>
+              </a:ext>
+            </a:extLst>
+          </p:cNvPr>
+          <p:cNvCxnSpPr>
+            <a:cxnSpLocks/>
+          </p:cNvCxnSpPr>
+          <p:nvPr/>
+        </p:nvCxnSpPr>
+        <p:spPr>
+          <a:xfrm>
+            <a:off x="2779816" y="2719448"/>
+            <a:ext cx="507670" cy="629392"/>
+          </a:xfrm>
+          <a:prstGeom prst="straightConnector1">
+            <a:avLst/>
+          </a:prstGeom>
+          <a:ln>
+            <a:prstDash val="sysDash"/>
+            <a:tailEnd type="triangle"/>
+          </a:ln>
+        </p:spPr>
+        <p:style>
+          <a:lnRef idx="2">
+            <a:schemeClr val="dk1"/>
+          </a:lnRef>
+          <a:fillRef idx="0">
+            <a:schemeClr val="dk1"/>
+          </a:fillRef>
+          <a:effectRef idx="1">
+            <a:schemeClr val="dk1"/>
+          </a:effectRef>
+          <a:fontRef idx="minor">
+            <a:schemeClr val="tx1"/>
+          </a:fontRef>
+        </p:style>
+      </p:cxnSp>
+      <p:sp>
+        <p:nvSpPr>
+          <p:cNvPr id="17" name="TextBox 16">
+            <a:extLst>
+              <a:ext uri="{FF2B5EF4-FFF2-40B4-BE49-F238E27FC236}">
+                <a16:creationId xmlns:a16="http://schemas.microsoft.com/office/drawing/2014/main" id="{BDF7331E-0714-3821-C99E-7BE2DDB09749}"/>
+              </a:ext>
+            </a:extLst>
+          </p:cNvPr>
+          <p:cNvSpPr txBox="1"/>
+          <p:nvPr/>
+        </p:nvSpPr>
+        <p:spPr>
+          <a:xfrm>
+            <a:off x="3109711" y="2687962"/>
+            <a:ext cx="1370888" cy="276999"/>
+          </a:xfrm>
+          <a:prstGeom prst="rect">
+            <a:avLst/>
+          </a:prstGeom>
+          <a:noFill/>
+        </p:spPr>
+        <p:txBody>
+          <a:bodyPr wrap="none" rtlCol="0">
+            <a:spAutoFit/>
+          </a:bodyPr>
+          <a:lstStyle/>
+          <a:p>
+            <a:r>
+              <a:rPr lang="ko-KR" altLang="en-US" sz="1200" dirty="0"/>
+              <a:t>선택에 따른 흐름</a:t>
+            </a:r>
+          </a:p>
+        </p:txBody>
+      </p:sp>
+      <p:cxnSp>
+        <p:nvCxnSpPr>
+          <p:cNvPr id="18" name="직선 화살표 연결선 17">
+            <a:extLst>
+              <a:ext uri="{FF2B5EF4-FFF2-40B4-BE49-F238E27FC236}">
+                <a16:creationId xmlns:a16="http://schemas.microsoft.com/office/drawing/2014/main" id="{B7EDDEF0-91EE-64A9-71B5-E6431330BB9C}"/>
+              </a:ext>
+            </a:extLst>
+          </p:cNvPr>
+          <p:cNvCxnSpPr>
+            <a:cxnSpLocks/>
+          </p:cNvCxnSpPr>
+          <p:nvPr/>
+        </p:nvCxnSpPr>
+        <p:spPr>
+          <a:xfrm flipV="1">
+            <a:off x="4405744" y="2719448"/>
+            <a:ext cx="475646" cy="629392"/>
+          </a:xfrm>
+          <a:prstGeom prst="straightConnector1">
+            <a:avLst/>
+          </a:prstGeom>
+          <a:ln>
+            <a:prstDash val="solid"/>
+            <a:tailEnd type="triangle"/>
+          </a:ln>
+        </p:spPr>
+        <p:style>
+          <a:lnRef idx="2">
+            <a:schemeClr val="dk1"/>
+          </a:lnRef>
+          <a:fillRef idx="0">
+            <a:schemeClr val="dk1"/>
+          </a:fillRef>
+          <a:effectRef idx="1">
+            <a:schemeClr val="dk1"/>
+          </a:effectRef>
+          <a:fontRef idx="minor">
+            <a:schemeClr val="tx1"/>
+          </a:fontRef>
+        </p:style>
+      </p:cxnSp>
+      <p:sp>
+        <p:nvSpPr>
+          <p:cNvPr id="22" name="왼쪽 중괄호 21">
+            <a:extLst>
+              <a:ext uri="{FF2B5EF4-FFF2-40B4-BE49-F238E27FC236}">
+                <a16:creationId xmlns:a16="http://schemas.microsoft.com/office/drawing/2014/main" id="{7CE33DB7-8D76-3A3C-610D-2555D7323A26}"/>
+              </a:ext>
+            </a:extLst>
+          </p:cNvPr>
+          <p:cNvSpPr/>
+          <p:nvPr/>
+        </p:nvSpPr>
+        <p:spPr>
+          <a:xfrm>
+            <a:off x="1337953" y="2081149"/>
+            <a:ext cx="507670" cy="1905989"/>
+          </a:xfrm>
+          <a:prstGeom prst="leftBrace">
+            <a:avLst/>
+          </a:prstGeom>
+          <a:ln>
+            <a:solidFill>
+              <a:schemeClr val="tx1"/>
+            </a:solidFill>
+          </a:ln>
+        </p:spPr>
+        <p:style>
+          <a:lnRef idx="2">
+            <a:schemeClr val="accent1"/>
+          </a:lnRef>
+          <a:fillRef idx="0">
+            <a:schemeClr val="accent1"/>
+          </a:fillRef>
+          <a:effectRef idx="1">
+            <a:schemeClr val="accent1"/>
+          </a:effectRef>
+          <a:fontRef idx="minor">
+            <a:schemeClr val="tx1"/>
+          </a:fontRef>
+        </p:style>
+        <p:txBody>
+          <a:bodyPr rtlCol="0" anchor="ctr"/>
+          <a:lstStyle/>
+          <a:p>
+            <a:pPr algn="ctr"/>
+            <a:endParaRPr lang="ko-KR" altLang="en-US"/>
+          </a:p>
+        </p:txBody>
+      </p:sp>
+      <p:sp>
+        <p:nvSpPr>
+          <p:cNvPr id="24" name="왼쪽 중괄호 23">
+            <a:extLst>
+              <a:ext uri="{FF2B5EF4-FFF2-40B4-BE49-F238E27FC236}">
+                <a16:creationId xmlns:a16="http://schemas.microsoft.com/office/drawing/2014/main" id="{9A903B13-821A-06B7-35C2-F1F725A90306}"/>
+              </a:ext>
+            </a:extLst>
+          </p:cNvPr>
+          <p:cNvSpPr/>
+          <p:nvPr/>
+        </p:nvSpPr>
+        <p:spPr>
+          <a:xfrm rot="10800000">
+            <a:off x="5689269" y="2081148"/>
+            <a:ext cx="507670" cy="1905989"/>
+          </a:xfrm>
+          <a:prstGeom prst="leftBrace">
+            <a:avLst/>
+          </a:prstGeom>
+          <a:ln>
+            <a:solidFill>
+              <a:schemeClr val="tx1"/>
+            </a:solidFill>
+          </a:ln>
+        </p:spPr>
+        <p:style>
+          <a:lnRef idx="2">
+            <a:schemeClr val="accent1"/>
+          </a:lnRef>
+          <a:fillRef idx="0">
+            <a:schemeClr val="accent1"/>
+          </a:fillRef>
+          <a:effectRef idx="1">
+            <a:schemeClr val="accent1"/>
+          </a:effectRef>
+          <a:fontRef idx="minor">
+            <a:schemeClr val="tx1"/>
+          </a:fontRef>
+        </p:style>
+        <p:txBody>
+          <a:bodyPr rtlCol="0" anchor="ctr"/>
+          <a:lstStyle/>
+          <a:p>
+            <a:pPr algn="ctr"/>
+            <a:endParaRPr lang="ko-KR" altLang="en-US" dirty="0"/>
+          </a:p>
+        </p:txBody>
+      </p:sp>
+      <p:sp>
+        <p:nvSpPr>
+          <p:cNvPr id="25" name="TextBox 24">
+            <a:extLst>
+              <a:ext uri="{FF2B5EF4-FFF2-40B4-BE49-F238E27FC236}">
+                <a16:creationId xmlns:a16="http://schemas.microsoft.com/office/drawing/2014/main" id="{F2C08E4E-DFD7-655C-C4D4-41EDE802BBE4}"/>
+              </a:ext>
+            </a:extLst>
+          </p:cNvPr>
+          <p:cNvSpPr txBox="1"/>
+          <p:nvPr/>
+        </p:nvSpPr>
+        <p:spPr>
+          <a:xfrm>
+            <a:off x="2742623" y="4139088"/>
+            <a:ext cx="2105063" cy="276999"/>
+          </a:xfrm>
+          <a:prstGeom prst="rect">
+            <a:avLst/>
+          </a:prstGeom>
+          <a:noFill/>
+        </p:spPr>
+        <p:txBody>
+          <a:bodyPr wrap="none" rtlCol="0">
+            <a:spAutoFit/>
+          </a:bodyPr>
+          <a:lstStyle/>
+          <a:p>
+            <a:r>
+              <a:rPr lang="ko-KR" altLang="en-US" sz="1200" dirty="0"/>
+              <a:t>일정 턴 수 동안 반복 </a:t>
+            </a:r>
+            <a:r>
+              <a:rPr lang="en-US" altLang="ko-KR" sz="1200" dirty="0"/>
+              <a:t>(10</a:t>
+            </a:r>
+            <a:r>
+              <a:rPr lang="ko-KR" altLang="en-US" sz="1200" dirty="0"/>
+              <a:t>턴</a:t>
+            </a:r>
+            <a:r>
+              <a:rPr lang="en-US" altLang="ko-KR" sz="1200" dirty="0"/>
+              <a:t>)</a:t>
+            </a:r>
+            <a:endParaRPr lang="ko-KR" altLang="en-US" sz="1200" dirty="0"/>
+          </a:p>
+        </p:txBody>
+      </p:sp>
+      <p:cxnSp>
+        <p:nvCxnSpPr>
+          <p:cNvPr id="28" name="직선 화살표 연결선 27">
+            <a:extLst>
+              <a:ext uri="{FF2B5EF4-FFF2-40B4-BE49-F238E27FC236}">
+                <a16:creationId xmlns:a16="http://schemas.microsoft.com/office/drawing/2014/main" id="{9B341131-CF22-120D-8EBC-AE8E4F35E18E}"/>
+              </a:ext>
+            </a:extLst>
+          </p:cNvPr>
+          <p:cNvCxnSpPr/>
+          <p:nvPr/>
+        </p:nvCxnSpPr>
+        <p:spPr>
+          <a:xfrm>
+            <a:off x="6378038" y="3034142"/>
+            <a:ext cx="1015340" cy="0"/>
+          </a:xfrm>
+          <a:prstGeom prst="straightConnector1">
+            <a:avLst/>
+          </a:prstGeom>
+          <a:ln>
+            <a:tailEnd type="triangle"/>
+          </a:ln>
+        </p:spPr>
+        <p:style>
+          <a:lnRef idx="2">
+            <a:schemeClr val="dk1"/>
+          </a:lnRef>
+          <a:fillRef idx="0">
+            <a:schemeClr val="dk1"/>
+          </a:fillRef>
+          <a:effectRef idx="1">
+            <a:schemeClr val="dk1"/>
+          </a:effectRef>
+          <a:fontRef idx="minor">
+            <a:schemeClr val="tx1"/>
+          </a:fontRef>
+        </p:style>
+      </p:cxnSp>
+      <p:sp>
+        <p:nvSpPr>
+          <p:cNvPr id="30" name="이등변 삼각형 29">
+            <a:extLst>
+              <a:ext uri="{FF2B5EF4-FFF2-40B4-BE49-F238E27FC236}">
+                <a16:creationId xmlns:a16="http://schemas.microsoft.com/office/drawing/2014/main" id="{D316473B-41F4-23D0-AB83-DA2A36E3D48F}"/>
+              </a:ext>
+            </a:extLst>
+          </p:cNvPr>
+          <p:cNvSpPr/>
+          <p:nvPr/>
+        </p:nvSpPr>
+        <p:spPr>
+          <a:xfrm>
+            <a:off x="7871361" y="2796648"/>
+            <a:ext cx="1442852" cy="474988"/>
+          </a:xfrm>
+          <a:prstGeom prst="triangle">
+            <a:avLst>
+              <a:gd name="adj" fmla="val 50000"/>
+            </a:avLst>
+          </a:prstGeom>
+          <a:solidFill>
+            <a:schemeClr val="bg1"/>
+          </a:solidFill>
+        </p:spPr>
+        <p:style>
+          <a:lnRef idx="2">
+            <a:schemeClr val="accent1">
+              <a:shade val="15000"/>
+            </a:schemeClr>
+          </a:lnRef>
+          <a:fillRef idx="1">
+            <a:schemeClr val="accent1"/>
+          </a:fillRef>
+          <a:effectRef idx="0">
+            <a:schemeClr val="accent1"/>
+          </a:effectRef>
+          <a:fontRef idx="minor">
+            <a:schemeClr val="lt1"/>
+          </a:fontRef>
+        </p:style>
+        <p:txBody>
+          <a:bodyPr rtlCol="0" anchor="ctr"/>
+          <a:lstStyle/>
+          <a:p>
+            <a:pPr algn="ctr"/>
+            <a:r>
+              <a:rPr lang="ko-KR" altLang="en-US" sz="1200" dirty="0" err="1">
+                <a:solidFill>
+                  <a:schemeClr val="tx1"/>
+                </a:solidFill>
+              </a:rPr>
+              <a:t>보스전</a:t>
+            </a:r>
+            <a:endParaRPr lang="ko-KR" altLang="en-US" sz="1200" dirty="0">
+              <a:solidFill>
+                <a:schemeClr val="tx1"/>
+              </a:solidFill>
+            </a:endParaRPr>
+          </a:p>
+        </p:txBody>
+      </p:sp>
+      <p:sp>
+        <p:nvSpPr>
+          <p:cNvPr id="31" name="왼쪽 중괄호 30">
+            <a:extLst>
+              <a:ext uri="{FF2B5EF4-FFF2-40B4-BE49-F238E27FC236}">
+                <a16:creationId xmlns:a16="http://schemas.microsoft.com/office/drawing/2014/main" id="{8F3FC9E0-6E5F-CBA3-61EB-13EFB5AD3A58}"/>
+              </a:ext>
+            </a:extLst>
+          </p:cNvPr>
+          <p:cNvSpPr/>
+          <p:nvPr/>
+        </p:nvSpPr>
+        <p:spPr>
+          <a:xfrm>
+            <a:off x="778824" y="1959429"/>
+            <a:ext cx="444334" cy="2796639"/>
+          </a:xfrm>
+          <a:prstGeom prst="leftBrace">
+            <a:avLst/>
+          </a:prstGeom>
+          <a:ln>
+            <a:solidFill>
+              <a:schemeClr val="tx1"/>
+            </a:solidFill>
+          </a:ln>
+        </p:spPr>
+        <p:style>
+          <a:lnRef idx="2">
+            <a:schemeClr val="accent1"/>
+          </a:lnRef>
+          <a:fillRef idx="0">
+            <a:schemeClr val="accent1"/>
+          </a:fillRef>
+          <a:effectRef idx="1">
+            <a:schemeClr val="accent1"/>
+          </a:effectRef>
+          <a:fontRef idx="minor">
+            <a:schemeClr val="tx1"/>
+          </a:fontRef>
+        </p:style>
+        <p:txBody>
+          <a:bodyPr rtlCol="0" anchor="ctr"/>
+          <a:lstStyle/>
+          <a:p>
+            <a:pPr algn="ctr"/>
+            <a:endParaRPr lang="ko-KR" altLang="en-US"/>
+          </a:p>
+        </p:txBody>
+      </p:sp>
+      <p:sp>
+        <p:nvSpPr>
+          <p:cNvPr id="32" name="왼쪽 중괄호 31">
+            <a:extLst>
+              <a:ext uri="{FF2B5EF4-FFF2-40B4-BE49-F238E27FC236}">
+                <a16:creationId xmlns:a16="http://schemas.microsoft.com/office/drawing/2014/main" id="{2F363B4F-BFED-73C6-1238-ECBB6696DCBD}"/>
+              </a:ext>
+            </a:extLst>
+          </p:cNvPr>
+          <p:cNvSpPr/>
+          <p:nvPr/>
+        </p:nvSpPr>
+        <p:spPr>
+          <a:xfrm rot="10800000">
+            <a:off x="9944595" y="1959429"/>
+            <a:ext cx="444334" cy="2796639"/>
+          </a:xfrm>
+          <a:prstGeom prst="leftBrace">
+            <a:avLst/>
+          </a:prstGeom>
+          <a:ln>
+            <a:solidFill>
+              <a:schemeClr val="tx1"/>
+            </a:solidFill>
+          </a:ln>
+        </p:spPr>
+        <p:style>
+          <a:lnRef idx="2">
+            <a:schemeClr val="accent1"/>
+          </a:lnRef>
+          <a:fillRef idx="0">
+            <a:schemeClr val="accent1"/>
+          </a:fillRef>
+          <a:effectRef idx="1">
+            <a:schemeClr val="accent1"/>
+          </a:effectRef>
+          <a:fontRef idx="minor">
+            <a:schemeClr val="tx1"/>
+          </a:fontRef>
+        </p:style>
+        <p:txBody>
+          <a:bodyPr rtlCol="0" anchor="ctr"/>
+          <a:lstStyle/>
+          <a:p>
+            <a:pPr algn="ctr"/>
+            <a:endParaRPr lang="ko-KR" altLang="en-US"/>
+          </a:p>
+        </p:txBody>
+      </p:sp>
+      <p:sp>
+        <p:nvSpPr>
+          <p:cNvPr id="33" name="TextBox 32">
+            <a:extLst>
+              <a:ext uri="{FF2B5EF4-FFF2-40B4-BE49-F238E27FC236}">
+                <a16:creationId xmlns:a16="http://schemas.microsoft.com/office/drawing/2014/main" id="{B50313EE-D709-0369-787E-BF9630EFCB03}"/>
+              </a:ext>
+            </a:extLst>
+          </p:cNvPr>
+          <p:cNvSpPr txBox="1"/>
+          <p:nvPr/>
+        </p:nvSpPr>
+        <p:spPr>
+          <a:xfrm>
+            <a:off x="4780645" y="4825917"/>
+            <a:ext cx="2598788" cy="276999"/>
+          </a:xfrm>
+          <a:prstGeom prst="rect">
+            <a:avLst/>
+          </a:prstGeom>
+          <a:noFill/>
+        </p:spPr>
+        <p:txBody>
+          <a:bodyPr wrap="none" rtlCol="0">
+            <a:spAutoFit/>
+          </a:bodyPr>
+          <a:lstStyle/>
+          <a:p>
+            <a:r>
+              <a:rPr lang="ko-KR" altLang="en-US" sz="1200" dirty="0"/>
+              <a:t>게임 종료 까지 반복 </a:t>
+            </a:r>
+            <a:r>
+              <a:rPr lang="en-US" altLang="ko-KR" sz="1200" dirty="0"/>
+              <a:t>(</a:t>
+            </a:r>
+            <a:r>
+              <a:rPr lang="ko-KR" altLang="en-US" sz="1200" dirty="0"/>
+              <a:t>패배 </a:t>
+            </a:r>
+            <a:r>
+              <a:rPr lang="en-US" altLang="ko-KR" sz="1200" dirty="0"/>
+              <a:t>or </a:t>
+            </a:r>
+            <a:r>
+              <a:rPr lang="ko-KR" altLang="en-US" sz="1200" dirty="0"/>
+              <a:t>승리</a:t>
+            </a:r>
+            <a:r>
+              <a:rPr lang="en-US" altLang="ko-KR" sz="1200" dirty="0"/>
+              <a:t>)</a:t>
+            </a:r>
+            <a:endParaRPr lang="ko-KR" altLang="en-US" sz="1200" dirty="0"/>
+          </a:p>
+        </p:txBody>
+      </p:sp>
+      <p:sp>
+        <p:nvSpPr>
+          <p:cNvPr id="34" name="직사각형 33">
+            <a:extLst>
+              <a:ext uri="{FF2B5EF4-FFF2-40B4-BE49-F238E27FC236}">
+                <a16:creationId xmlns:a16="http://schemas.microsoft.com/office/drawing/2014/main" id="{FF0FA167-B437-1E4C-88D2-E0FA7EBF04C9}"/>
+              </a:ext>
+            </a:extLst>
+          </p:cNvPr>
+          <p:cNvSpPr/>
+          <p:nvPr/>
+        </p:nvSpPr>
+        <p:spPr>
+          <a:xfrm>
+            <a:off x="6885708" y="5786174"/>
+            <a:ext cx="1229097" cy="475013"/>
+          </a:xfrm>
+          <a:prstGeom prst="rect">
+            <a:avLst/>
+          </a:prstGeom>
+          <a:solidFill>
+            <a:schemeClr val="bg1"/>
+          </a:solidFill>
+        </p:spPr>
+        <p:style>
+          <a:lnRef idx="2">
+            <a:schemeClr val="accent1">
+              <a:shade val="15000"/>
+            </a:schemeClr>
+          </a:lnRef>
+          <a:fillRef idx="1">
+            <a:schemeClr val="accent1"/>
+          </a:fillRef>
+          <a:effectRef idx="0">
+            <a:schemeClr val="accent1"/>
+          </a:effectRef>
+          <a:fontRef idx="minor">
+            <a:schemeClr val="lt1"/>
+          </a:fontRef>
+        </p:style>
+        <p:txBody>
+          <a:bodyPr rtlCol="0" anchor="ctr"/>
+          <a:lstStyle/>
+          <a:p>
+            <a:pPr algn="ctr"/>
+            <a:r>
+              <a:rPr lang="ko-KR" altLang="en-US" dirty="0">
+                <a:solidFill>
+                  <a:schemeClr val="tx1"/>
+                </a:solidFill>
+              </a:rPr>
+              <a:t>게임 종료</a:t>
+            </a:r>
+          </a:p>
+        </p:txBody>
+      </p:sp>
+      <p:cxnSp>
+        <p:nvCxnSpPr>
+          <p:cNvPr id="35" name="직선 화살표 연결선 34">
+            <a:extLst>
+              <a:ext uri="{FF2B5EF4-FFF2-40B4-BE49-F238E27FC236}">
+                <a16:creationId xmlns:a16="http://schemas.microsoft.com/office/drawing/2014/main" id="{55C19AC8-3C89-EC11-CFB5-4CE049A08688}"/>
+              </a:ext>
+            </a:extLst>
+          </p:cNvPr>
+          <p:cNvCxnSpPr/>
+          <p:nvPr/>
+        </p:nvCxnSpPr>
+        <p:spPr>
+          <a:xfrm>
+            <a:off x="5300352" y="6017744"/>
+            <a:ext cx="1015340" cy="0"/>
+          </a:xfrm>
+          <a:prstGeom prst="straightConnector1">
+            <a:avLst/>
+          </a:prstGeom>
+          <a:ln>
+            <a:tailEnd type="triangle"/>
+          </a:ln>
+        </p:spPr>
+        <p:style>
+          <a:lnRef idx="2">
+            <a:schemeClr val="dk1"/>
+          </a:lnRef>
+          <a:fillRef idx="0">
+            <a:schemeClr val="dk1"/>
+          </a:fillRef>
+          <a:effectRef idx="1">
+            <a:schemeClr val="dk1"/>
+          </a:effectRef>
+          <a:fontRef idx="minor">
+            <a:schemeClr val="tx1"/>
+          </a:fontRef>
+        </p:style>
+      </p:cxnSp>
+      <p:sp>
+        <p:nvSpPr>
+          <p:cNvPr id="36" name="이등변 삼각형 35">
+            <a:extLst>
+              <a:ext uri="{FF2B5EF4-FFF2-40B4-BE49-F238E27FC236}">
+                <a16:creationId xmlns:a16="http://schemas.microsoft.com/office/drawing/2014/main" id="{89A08A2D-D837-FE6C-9D86-DAC4B228F602}"/>
+              </a:ext>
+            </a:extLst>
+          </p:cNvPr>
+          <p:cNvSpPr/>
+          <p:nvPr/>
+        </p:nvSpPr>
+        <p:spPr>
+          <a:xfrm>
+            <a:off x="3795154" y="5732873"/>
+            <a:ext cx="1442852" cy="474988"/>
+          </a:xfrm>
+          <a:prstGeom prst="triangle">
+            <a:avLst>
+              <a:gd name="adj" fmla="val 50000"/>
+            </a:avLst>
+          </a:prstGeom>
+          <a:solidFill>
+            <a:schemeClr val="bg1"/>
+          </a:solidFill>
+        </p:spPr>
+        <p:style>
+          <a:lnRef idx="2">
+            <a:schemeClr val="accent1">
+              <a:shade val="15000"/>
+            </a:schemeClr>
+          </a:lnRef>
+          <a:fillRef idx="1">
+            <a:schemeClr val="accent1"/>
+          </a:fillRef>
+          <a:effectRef idx="0">
+            <a:schemeClr val="accent1"/>
+          </a:effectRef>
+          <a:fontRef idx="minor">
+            <a:schemeClr val="lt1"/>
+          </a:fontRef>
+        </p:style>
+        <p:txBody>
+          <a:bodyPr rtlCol="0" anchor="ctr"/>
+          <a:lstStyle/>
+          <a:p>
+            <a:pPr algn="ctr"/>
+            <a:r>
+              <a:rPr lang="ko-KR" altLang="en-US" sz="900" dirty="0">
+                <a:solidFill>
+                  <a:schemeClr val="tx1"/>
+                </a:solidFill>
+              </a:rPr>
+              <a:t>결과 발표</a:t>
+            </a:r>
+            <a:r>
+              <a:rPr lang="en-US" altLang="ko-KR" sz="900" dirty="0">
+                <a:solidFill>
+                  <a:schemeClr val="tx1"/>
+                </a:solidFill>
+              </a:rPr>
+              <a:t>(</a:t>
+            </a:r>
+            <a:r>
+              <a:rPr lang="ko-KR" altLang="en-US" sz="900" dirty="0">
+                <a:solidFill>
+                  <a:schemeClr val="tx1"/>
+                </a:solidFill>
+              </a:rPr>
+              <a:t>예언자</a:t>
+            </a:r>
+            <a:r>
+              <a:rPr lang="en-US" altLang="ko-KR" sz="900" dirty="0">
+                <a:solidFill>
+                  <a:schemeClr val="tx1"/>
+                </a:solidFill>
+              </a:rPr>
+              <a:t>)</a:t>
+            </a:r>
+            <a:endParaRPr lang="ko-KR" altLang="en-US" sz="900" dirty="0">
+              <a:solidFill>
+                <a:schemeClr val="tx1"/>
+              </a:solidFill>
+            </a:endParaRPr>
+          </a:p>
+        </p:txBody>
+      </p:sp>
+      <p:cxnSp>
+        <p:nvCxnSpPr>
+          <p:cNvPr id="37" name="직선 화살표 연결선 36">
+            <a:extLst>
+              <a:ext uri="{FF2B5EF4-FFF2-40B4-BE49-F238E27FC236}">
+                <a16:creationId xmlns:a16="http://schemas.microsoft.com/office/drawing/2014/main" id="{DE969907-7E6C-8CD3-AD02-50AACDD7A836}"/>
+              </a:ext>
+            </a:extLst>
+          </p:cNvPr>
+          <p:cNvCxnSpPr/>
+          <p:nvPr/>
+        </p:nvCxnSpPr>
+        <p:spPr>
+          <a:xfrm>
+            <a:off x="8552211" y="6017744"/>
+            <a:ext cx="1015340" cy="0"/>
+          </a:xfrm>
+          <a:prstGeom prst="straightConnector1">
+            <a:avLst/>
+          </a:prstGeom>
+          <a:ln>
+            <a:tailEnd type="triangle"/>
+          </a:ln>
+        </p:spPr>
+        <p:style>
+          <a:lnRef idx="2">
+            <a:schemeClr val="dk1"/>
+          </a:lnRef>
+          <a:fillRef idx="0">
+            <a:schemeClr val="dk1"/>
+          </a:fillRef>
+          <a:effectRef idx="1">
+            <a:schemeClr val="dk1"/>
+          </a:effectRef>
+          <a:fontRef idx="minor">
+            <a:schemeClr val="tx1"/>
+          </a:fontRef>
+        </p:style>
+      </p:cxnSp>
+      <p:cxnSp>
+        <p:nvCxnSpPr>
+          <p:cNvPr id="40" name="연결선: 꺾임 39">
+            <a:extLst>
+              <a:ext uri="{FF2B5EF4-FFF2-40B4-BE49-F238E27FC236}">
+                <a16:creationId xmlns:a16="http://schemas.microsoft.com/office/drawing/2014/main" id="{10A3F834-E92E-C95B-8F8C-08FB91F4DC41}"/>
+              </a:ext>
+            </a:extLst>
+          </p:cNvPr>
+          <p:cNvCxnSpPr>
+            <a:cxnSpLocks/>
+          </p:cNvCxnSpPr>
+          <p:nvPr/>
+        </p:nvCxnSpPr>
+        <p:spPr>
+          <a:xfrm>
+            <a:off x="1128156" y="5206335"/>
+            <a:ext cx="1383475" cy="861956"/>
+          </a:xfrm>
+          <a:prstGeom prst="bentConnector3">
+            <a:avLst>
+              <a:gd name="adj1" fmla="val 215"/>
+            </a:avLst>
+          </a:prstGeom>
+          <a:ln>
+            <a:solidFill>
+              <a:schemeClr val="tx1"/>
+            </a:solidFill>
+            <a:tailEnd type="triangle"/>
+          </a:ln>
+        </p:spPr>
+        <p:style>
+          <a:lnRef idx="2">
+            <a:schemeClr val="accent1"/>
+          </a:lnRef>
+          <a:fillRef idx="0">
+            <a:schemeClr val="accent1"/>
+          </a:fillRef>
+          <a:effectRef idx="1">
+            <a:schemeClr val="accent1"/>
+          </a:effectRef>
+          <a:fontRef idx="minor">
+            <a:schemeClr val="tx1"/>
+          </a:fontRef>
+        </p:style>
+      </p:cxnSp>
+      <p:sp>
+        <p:nvSpPr>
+          <p:cNvPr id="45" name="직사각형 44">
+            <a:extLst>
+              <a:ext uri="{FF2B5EF4-FFF2-40B4-BE49-F238E27FC236}">
+                <a16:creationId xmlns:a16="http://schemas.microsoft.com/office/drawing/2014/main" id="{A82B3F36-4A33-49F2-AE21-A563C9EFD589}"/>
+              </a:ext>
+            </a:extLst>
+          </p:cNvPr>
+          <p:cNvSpPr/>
+          <p:nvPr/>
+        </p:nvSpPr>
+        <p:spPr>
+          <a:xfrm>
+            <a:off x="9834747" y="5786174"/>
+            <a:ext cx="1229097" cy="475013"/>
+          </a:xfrm>
+          <a:prstGeom prst="rect">
+            <a:avLst/>
+          </a:prstGeom>
+          <a:solidFill>
+            <a:schemeClr val="bg1"/>
+          </a:solidFill>
+        </p:spPr>
+        <p:style>
+          <a:lnRef idx="2">
+            <a:schemeClr val="accent1">
+              <a:shade val="15000"/>
+            </a:schemeClr>
+          </a:lnRef>
+          <a:fillRef idx="1">
+            <a:schemeClr val="accent1"/>
+          </a:fillRef>
+          <a:effectRef idx="0">
+            <a:schemeClr val="accent1"/>
+          </a:effectRef>
+          <a:fontRef idx="minor">
+            <a:schemeClr val="lt1"/>
+          </a:fontRef>
+        </p:style>
+        <p:txBody>
+          <a:bodyPr rtlCol="0" anchor="ctr"/>
+          <a:lstStyle/>
+          <a:p>
+            <a:pPr algn="ctr"/>
+            <a:r>
+              <a:rPr lang="ko-KR" altLang="en-US" sz="1200" dirty="0">
+                <a:solidFill>
+                  <a:schemeClr val="tx1"/>
+                </a:solidFill>
+              </a:rPr>
+              <a:t>게임 시작 반복</a:t>
+            </a:r>
+          </a:p>
+        </p:txBody>
+      </p:sp>
+    </p:spTree>
+    <p:extLst>
+      <p:ext uri="{BB962C8B-B14F-4D97-AF65-F5344CB8AC3E}">
+        <p14:creationId xmlns:p14="http://schemas.microsoft.com/office/powerpoint/2010/main" val="1066510855"/>
+      </p:ext>
+    </p:extLst>
+  </p:cSld>
+  <p:clrMapOvr>
+    <a:masterClrMapping/>
+  </p:clrMapOvr>
+</p:sld>
+</file>
+
+<file path=ppt/slides/slide3.xml><?xml version="1.0" encoding="utf-8"?>
+<p:sld xmlns:a="http://schemas.openxmlformats.org/drawingml/2006/main" xmlns:r="http://schemas.openxmlformats.org/officeDocument/2006/relationships" xmlns:p="http://schemas.openxmlformats.org/presentationml/2006/main">
+  <p:cSld>
+    <p:spTree>
+      <p:nvGrpSpPr>
+        <p:cNvPr id="1" name=""/>
+        <p:cNvGrpSpPr/>
+        <p:nvPr/>
+      </p:nvGrpSpPr>
+      <p:grpSpPr>
+        <a:xfrm>
+          <a:off x="0" y="0"/>
+          <a:ext cx="0" cy="0"/>
+          <a:chOff x="0" y="0"/>
+          <a:chExt cx="0" cy="0"/>
+        </a:xfrm>
+      </p:grpSpPr>
+      <p:sp>
+        <p:nvSpPr>
+          <p:cNvPr id="9" name="TextBox 8">
+            <a:extLst>
+              <a:ext uri="{FF2B5EF4-FFF2-40B4-BE49-F238E27FC236}">
+                <a16:creationId xmlns:a16="http://schemas.microsoft.com/office/drawing/2014/main" id="{7C3AEEB5-635B-CC9E-A34E-9221454EB919}"/>
+              </a:ext>
+            </a:extLst>
+          </p:cNvPr>
+          <p:cNvSpPr txBox="1"/>
+          <p:nvPr/>
+        </p:nvSpPr>
+        <p:spPr>
+          <a:xfrm>
+            <a:off x="574431" y="439615"/>
             <a:ext cx="1502334" cy="369332"/>
           </a:xfrm>
           <a:prstGeom prst="rect">
@@ -3645,7 +5048,7 @@
         <p:spPr>
           <a:xfrm>
             <a:off x="487913" y="1003973"/>
-            <a:ext cx="11319388" cy="2862322"/>
+            <a:ext cx="11319388" cy="3693319"/>
           </a:xfrm>
           <a:prstGeom prst="rect">
             <a:avLst/>
@@ -3778,6 +5181,62 @@
               <a:rPr lang="en-US" altLang="ko-KR" dirty="0"/>
               <a:t>.</a:t>
             </a:r>
+          </a:p>
+          <a:p>
+            <a:pPr marL="285750" indent="-285750">
+              <a:buFontTx/>
+              <a:buChar char="-"/>
+            </a:pPr>
+            <a:endParaRPr lang="en-US" altLang="ko-KR" dirty="0"/>
+          </a:p>
+          <a:p>
+            <a:pPr marL="285750" indent="-285750">
+              <a:buFontTx/>
+              <a:buChar char="-"/>
+            </a:pPr>
+            <a:r>
+              <a:rPr lang="ko-KR" altLang="en-US" dirty="0"/>
+              <a:t>선택</a:t>
+            </a:r>
+            <a:r>
+              <a:rPr lang="en-US" altLang="ko-KR" dirty="0"/>
+              <a:t>: </a:t>
+            </a:r>
+            <a:r>
+              <a:rPr lang="ko-KR" altLang="en-US" dirty="0"/>
+              <a:t>주 특성은 성장이 빠르고 부 특성은 기존치가 높다</a:t>
+            </a:r>
+            <a:r>
+              <a:rPr lang="en-US" altLang="ko-KR" dirty="0"/>
+              <a:t>.</a:t>
+            </a:r>
+          </a:p>
+          <a:p>
+            <a:pPr marL="285750" indent="-285750">
+              <a:buFontTx/>
+              <a:buChar char="-"/>
+            </a:pPr>
+            <a:r>
+              <a:rPr lang="ko-KR" altLang="en-US" dirty="0"/>
+              <a:t>처음에 등장할 인물은 동료</a:t>
+            </a:r>
+            <a:r>
+              <a:rPr lang="en-US" altLang="ko-KR" dirty="0"/>
+              <a:t>. </a:t>
+            </a:r>
+            <a:r>
+              <a:rPr lang="ko-KR" altLang="en-US" dirty="0"/>
+              <a:t>예언 단계의 바로 다음 이벤트 </a:t>
+            </a:r>
+            <a:r>
+              <a:rPr lang="ko-KR" altLang="en-US" dirty="0" err="1"/>
+              <a:t>페이즈에서</a:t>
+            </a:r>
+            <a:r>
+              <a:rPr lang="ko-KR" altLang="en-US" dirty="0"/>
+              <a:t> </a:t>
+            </a:r>
+            <a:endParaRPr lang="en-US" altLang="ko-KR" dirty="0"/>
           </a:p>
           <a:p>
             <a:pPr marL="285750" indent="-285750">
@@ -3818,7 +5277,7 @@
 </p:sld>
 </file>
 
-<file path=ppt/slides/slide3.xml><?xml version="1.0" encoding="utf-8"?>
+<file path=ppt/slides/slide4.xml><?xml version="1.0" encoding="utf-8"?>
 <p:sld xmlns:a="http://schemas.openxmlformats.org/drawingml/2006/main" xmlns:r="http://schemas.openxmlformats.org/officeDocument/2006/relationships" xmlns:p="http://schemas.openxmlformats.org/presentationml/2006/main">
   <p:cSld>
     <p:spTree>

--- a/플롯.pptx
+++ b/플롯.pptx
@@ -262,7 +262,7 @@
           <a:p>
             <a:fld id="{5C026953-134E-44C4-8A9C-30A939654550}" type="datetimeFigureOut">
               <a:rPr lang="ko-KR" altLang="en-US" smtClean="0"/>
-              <a:t>2024-03-27</a:t>
+              <a:t>2024-04-11</a:t>
             </a:fld>
             <a:endParaRPr lang="ko-KR" altLang="en-US"/>
           </a:p>
@@ -460,7 +460,7 @@
           <a:p>
             <a:fld id="{5C026953-134E-44C4-8A9C-30A939654550}" type="datetimeFigureOut">
               <a:rPr lang="ko-KR" altLang="en-US" smtClean="0"/>
-              <a:t>2024-03-27</a:t>
+              <a:t>2024-04-11</a:t>
             </a:fld>
             <a:endParaRPr lang="ko-KR" altLang="en-US"/>
           </a:p>
@@ -668,7 +668,7 @@
           <a:p>
             <a:fld id="{5C026953-134E-44C4-8A9C-30A939654550}" type="datetimeFigureOut">
               <a:rPr lang="ko-KR" altLang="en-US" smtClean="0"/>
-              <a:t>2024-03-27</a:t>
+              <a:t>2024-04-11</a:t>
             </a:fld>
             <a:endParaRPr lang="ko-KR" altLang="en-US"/>
           </a:p>
@@ -866,7 +866,7 @@
           <a:p>
             <a:fld id="{5C026953-134E-44C4-8A9C-30A939654550}" type="datetimeFigureOut">
               <a:rPr lang="ko-KR" altLang="en-US" smtClean="0"/>
-              <a:t>2024-03-27</a:t>
+              <a:t>2024-04-11</a:t>
             </a:fld>
             <a:endParaRPr lang="ko-KR" altLang="en-US"/>
           </a:p>
@@ -1141,7 +1141,7 @@
           <a:p>
             <a:fld id="{5C026953-134E-44C4-8A9C-30A939654550}" type="datetimeFigureOut">
               <a:rPr lang="ko-KR" altLang="en-US" smtClean="0"/>
-              <a:t>2024-03-27</a:t>
+              <a:t>2024-04-11</a:t>
             </a:fld>
             <a:endParaRPr lang="ko-KR" altLang="en-US"/>
           </a:p>
@@ -1406,7 +1406,7 @@
           <a:p>
             <a:fld id="{5C026953-134E-44C4-8A9C-30A939654550}" type="datetimeFigureOut">
               <a:rPr lang="ko-KR" altLang="en-US" smtClean="0"/>
-              <a:t>2024-03-27</a:t>
+              <a:t>2024-04-11</a:t>
             </a:fld>
             <a:endParaRPr lang="ko-KR" altLang="en-US"/>
           </a:p>
@@ -1818,7 +1818,7 @@
           <a:p>
             <a:fld id="{5C026953-134E-44C4-8A9C-30A939654550}" type="datetimeFigureOut">
               <a:rPr lang="ko-KR" altLang="en-US" smtClean="0"/>
-              <a:t>2024-03-27</a:t>
+              <a:t>2024-04-11</a:t>
             </a:fld>
             <a:endParaRPr lang="ko-KR" altLang="en-US"/>
           </a:p>
@@ -1959,7 +1959,7 @@
           <a:p>
             <a:fld id="{5C026953-134E-44C4-8A9C-30A939654550}" type="datetimeFigureOut">
               <a:rPr lang="ko-KR" altLang="en-US" smtClean="0"/>
-              <a:t>2024-03-27</a:t>
+              <a:t>2024-04-11</a:t>
             </a:fld>
             <a:endParaRPr lang="ko-KR" altLang="en-US"/>
           </a:p>
@@ -2072,7 +2072,7 @@
           <a:p>
             <a:fld id="{5C026953-134E-44C4-8A9C-30A939654550}" type="datetimeFigureOut">
               <a:rPr lang="ko-KR" altLang="en-US" smtClean="0"/>
-              <a:t>2024-03-27</a:t>
+              <a:t>2024-04-11</a:t>
             </a:fld>
             <a:endParaRPr lang="ko-KR" altLang="en-US"/>
           </a:p>
@@ -2383,7 +2383,7 @@
           <a:p>
             <a:fld id="{5C026953-134E-44C4-8A9C-30A939654550}" type="datetimeFigureOut">
               <a:rPr lang="ko-KR" altLang="en-US" smtClean="0"/>
-              <a:t>2024-03-27</a:t>
+              <a:t>2024-04-11</a:t>
             </a:fld>
             <a:endParaRPr lang="ko-KR" altLang="en-US"/>
           </a:p>
@@ -2671,7 +2671,7 @@
           <a:p>
             <a:fld id="{5C026953-134E-44C4-8A9C-30A939654550}" type="datetimeFigureOut">
               <a:rPr lang="ko-KR" altLang="en-US" smtClean="0"/>
-              <a:t>2024-03-27</a:t>
+              <a:t>2024-04-11</a:t>
             </a:fld>
             <a:endParaRPr lang="ko-KR" altLang="en-US"/>
           </a:p>
@@ -2912,7 +2912,7 @@
           <a:p>
             <a:fld id="{5C026953-134E-44C4-8A9C-30A939654550}" type="datetimeFigureOut">
               <a:rPr lang="ko-KR" altLang="en-US" smtClean="0"/>
-              <a:t>2024-03-27</a:t>
+              <a:t>2024-04-11</a:t>
             </a:fld>
             <a:endParaRPr lang="ko-KR" altLang="en-US"/>
           </a:p>
@@ -4119,7 +4119,7 @@
                   <a:schemeClr val="tx1"/>
                 </a:solidFill>
               </a:rPr>
-              <a:t>이벤트</a:t>
+              <a:t>전투</a:t>
             </a:r>
           </a:p>
         </p:txBody>

--- a/플롯.pptx
+++ b/플롯.pptx
@@ -262,7 +262,7 @@
           <a:p>
             <a:fld id="{5C026953-134E-44C4-8A9C-30A939654550}" type="datetimeFigureOut">
               <a:rPr lang="ko-KR" altLang="en-US" smtClean="0"/>
-              <a:t>2024-04-11</a:t>
+              <a:t>2024-04-12</a:t>
             </a:fld>
             <a:endParaRPr lang="ko-KR" altLang="en-US"/>
           </a:p>
@@ -460,7 +460,7 @@
           <a:p>
             <a:fld id="{5C026953-134E-44C4-8A9C-30A939654550}" type="datetimeFigureOut">
               <a:rPr lang="ko-KR" altLang="en-US" smtClean="0"/>
-              <a:t>2024-04-11</a:t>
+              <a:t>2024-04-12</a:t>
             </a:fld>
             <a:endParaRPr lang="ko-KR" altLang="en-US"/>
           </a:p>
@@ -668,7 +668,7 @@
           <a:p>
             <a:fld id="{5C026953-134E-44C4-8A9C-30A939654550}" type="datetimeFigureOut">
               <a:rPr lang="ko-KR" altLang="en-US" smtClean="0"/>
-              <a:t>2024-04-11</a:t>
+              <a:t>2024-04-12</a:t>
             </a:fld>
             <a:endParaRPr lang="ko-KR" altLang="en-US"/>
           </a:p>
@@ -866,7 +866,7 @@
           <a:p>
             <a:fld id="{5C026953-134E-44C4-8A9C-30A939654550}" type="datetimeFigureOut">
               <a:rPr lang="ko-KR" altLang="en-US" smtClean="0"/>
-              <a:t>2024-04-11</a:t>
+              <a:t>2024-04-12</a:t>
             </a:fld>
             <a:endParaRPr lang="ko-KR" altLang="en-US"/>
           </a:p>
@@ -1141,7 +1141,7 @@
           <a:p>
             <a:fld id="{5C026953-134E-44C4-8A9C-30A939654550}" type="datetimeFigureOut">
               <a:rPr lang="ko-KR" altLang="en-US" smtClean="0"/>
-              <a:t>2024-04-11</a:t>
+              <a:t>2024-04-12</a:t>
             </a:fld>
             <a:endParaRPr lang="ko-KR" altLang="en-US"/>
           </a:p>
@@ -1406,7 +1406,7 @@
           <a:p>
             <a:fld id="{5C026953-134E-44C4-8A9C-30A939654550}" type="datetimeFigureOut">
               <a:rPr lang="ko-KR" altLang="en-US" smtClean="0"/>
-              <a:t>2024-04-11</a:t>
+              <a:t>2024-04-12</a:t>
             </a:fld>
             <a:endParaRPr lang="ko-KR" altLang="en-US"/>
           </a:p>
@@ -1818,7 +1818,7 @@
           <a:p>
             <a:fld id="{5C026953-134E-44C4-8A9C-30A939654550}" type="datetimeFigureOut">
               <a:rPr lang="ko-KR" altLang="en-US" smtClean="0"/>
-              <a:t>2024-04-11</a:t>
+              <a:t>2024-04-12</a:t>
             </a:fld>
             <a:endParaRPr lang="ko-KR" altLang="en-US"/>
           </a:p>
@@ -1959,7 +1959,7 @@
           <a:p>
             <a:fld id="{5C026953-134E-44C4-8A9C-30A939654550}" type="datetimeFigureOut">
               <a:rPr lang="ko-KR" altLang="en-US" smtClean="0"/>
-              <a:t>2024-04-11</a:t>
+              <a:t>2024-04-12</a:t>
             </a:fld>
             <a:endParaRPr lang="ko-KR" altLang="en-US"/>
           </a:p>
@@ -2072,7 +2072,7 @@
           <a:p>
             <a:fld id="{5C026953-134E-44C4-8A9C-30A939654550}" type="datetimeFigureOut">
               <a:rPr lang="ko-KR" altLang="en-US" smtClean="0"/>
-              <a:t>2024-04-11</a:t>
+              <a:t>2024-04-12</a:t>
             </a:fld>
             <a:endParaRPr lang="ko-KR" altLang="en-US"/>
           </a:p>
@@ -2383,7 +2383,7 @@
           <a:p>
             <a:fld id="{5C026953-134E-44C4-8A9C-30A939654550}" type="datetimeFigureOut">
               <a:rPr lang="ko-KR" altLang="en-US" smtClean="0"/>
-              <a:t>2024-04-11</a:t>
+              <a:t>2024-04-12</a:t>
             </a:fld>
             <a:endParaRPr lang="ko-KR" altLang="en-US"/>
           </a:p>
@@ -2671,7 +2671,7 @@
           <a:p>
             <a:fld id="{5C026953-134E-44C4-8A9C-30A939654550}" type="datetimeFigureOut">
               <a:rPr lang="ko-KR" altLang="en-US" smtClean="0"/>
-              <a:t>2024-04-11</a:t>
+              <a:t>2024-04-12</a:t>
             </a:fld>
             <a:endParaRPr lang="ko-KR" altLang="en-US"/>
           </a:p>
@@ -2912,7 +2912,7 @@
           <a:p>
             <a:fld id="{5C026953-134E-44C4-8A9C-30A939654550}" type="datetimeFigureOut">
               <a:rPr lang="ko-KR" altLang="en-US" smtClean="0"/>
-              <a:t>2024-04-11</a:t>
+              <a:t>2024-04-12</a:t>
             </a:fld>
             <a:endParaRPr lang="ko-KR" altLang="en-US"/>
           </a:p>

--- a/플롯.pptx
+++ b/플롯.pptx
@@ -262,7 +262,7 @@
           <a:p>
             <a:fld id="{5C026953-134E-44C4-8A9C-30A939654550}" type="datetimeFigureOut">
               <a:rPr lang="ko-KR" altLang="en-US" smtClean="0"/>
-              <a:t>2024-04-12</a:t>
+              <a:t>2024-04-17</a:t>
             </a:fld>
             <a:endParaRPr lang="ko-KR" altLang="en-US"/>
           </a:p>
@@ -460,7 +460,7 @@
           <a:p>
             <a:fld id="{5C026953-134E-44C4-8A9C-30A939654550}" type="datetimeFigureOut">
               <a:rPr lang="ko-KR" altLang="en-US" smtClean="0"/>
-              <a:t>2024-04-12</a:t>
+              <a:t>2024-04-17</a:t>
             </a:fld>
             <a:endParaRPr lang="ko-KR" altLang="en-US"/>
           </a:p>
@@ -668,7 +668,7 @@
           <a:p>
             <a:fld id="{5C026953-134E-44C4-8A9C-30A939654550}" type="datetimeFigureOut">
               <a:rPr lang="ko-KR" altLang="en-US" smtClean="0"/>
-              <a:t>2024-04-12</a:t>
+              <a:t>2024-04-17</a:t>
             </a:fld>
             <a:endParaRPr lang="ko-KR" altLang="en-US"/>
           </a:p>
@@ -866,7 +866,7 @@
           <a:p>
             <a:fld id="{5C026953-134E-44C4-8A9C-30A939654550}" type="datetimeFigureOut">
               <a:rPr lang="ko-KR" altLang="en-US" smtClean="0"/>
-              <a:t>2024-04-12</a:t>
+              <a:t>2024-04-17</a:t>
             </a:fld>
             <a:endParaRPr lang="ko-KR" altLang="en-US"/>
           </a:p>
@@ -1141,7 +1141,7 @@
           <a:p>
             <a:fld id="{5C026953-134E-44C4-8A9C-30A939654550}" type="datetimeFigureOut">
               <a:rPr lang="ko-KR" altLang="en-US" smtClean="0"/>
-              <a:t>2024-04-12</a:t>
+              <a:t>2024-04-17</a:t>
             </a:fld>
             <a:endParaRPr lang="ko-KR" altLang="en-US"/>
           </a:p>
@@ -1406,7 +1406,7 @@
           <a:p>
             <a:fld id="{5C026953-134E-44C4-8A9C-30A939654550}" type="datetimeFigureOut">
               <a:rPr lang="ko-KR" altLang="en-US" smtClean="0"/>
-              <a:t>2024-04-12</a:t>
+              <a:t>2024-04-17</a:t>
             </a:fld>
             <a:endParaRPr lang="ko-KR" altLang="en-US"/>
           </a:p>
@@ -1818,7 +1818,7 @@
           <a:p>
             <a:fld id="{5C026953-134E-44C4-8A9C-30A939654550}" type="datetimeFigureOut">
               <a:rPr lang="ko-KR" altLang="en-US" smtClean="0"/>
-              <a:t>2024-04-12</a:t>
+              <a:t>2024-04-17</a:t>
             </a:fld>
             <a:endParaRPr lang="ko-KR" altLang="en-US"/>
           </a:p>
@@ -1959,7 +1959,7 @@
           <a:p>
             <a:fld id="{5C026953-134E-44C4-8A9C-30A939654550}" type="datetimeFigureOut">
               <a:rPr lang="ko-KR" altLang="en-US" smtClean="0"/>
-              <a:t>2024-04-12</a:t>
+              <a:t>2024-04-17</a:t>
             </a:fld>
             <a:endParaRPr lang="ko-KR" altLang="en-US"/>
           </a:p>
@@ -2072,7 +2072,7 @@
           <a:p>
             <a:fld id="{5C026953-134E-44C4-8A9C-30A939654550}" type="datetimeFigureOut">
               <a:rPr lang="ko-KR" altLang="en-US" smtClean="0"/>
-              <a:t>2024-04-12</a:t>
+              <a:t>2024-04-17</a:t>
             </a:fld>
             <a:endParaRPr lang="ko-KR" altLang="en-US"/>
           </a:p>
@@ -2383,7 +2383,7 @@
           <a:p>
             <a:fld id="{5C026953-134E-44C4-8A9C-30A939654550}" type="datetimeFigureOut">
               <a:rPr lang="ko-KR" altLang="en-US" smtClean="0"/>
-              <a:t>2024-04-12</a:t>
+              <a:t>2024-04-17</a:t>
             </a:fld>
             <a:endParaRPr lang="ko-KR" altLang="en-US"/>
           </a:p>
@@ -2671,7 +2671,7 @@
           <a:p>
             <a:fld id="{5C026953-134E-44C4-8A9C-30A939654550}" type="datetimeFigureOut">
               <a:rPr lang="ko-KR" altLang="en-US" smtClean="0"/>
-              <a:t>2024-04-12</a:t>
+              <a:t>2024-04-17</a:t>
             </a:fld>
             <a:endParaRPr lang="ko-KR" altLang="en-US"/>
           </a:p>
@@ -2912,7 +2912,7 @@
           <a:p>
             <a:fld id="{5C026953-134E-44C4-8A9C-30A939654550}" type="datetimeFigureOut">
               <a:rPr lang="ko-KR" altLang="en-US" smtClean="0"/>
-              <a:t>2024-04-12</a:t>
+              <a:t>2024-04-17</a:t>
             </a:fld>
             <a:endParaRPr lang="ko-KR" altLang="en-US"/>
           </a:p>

--- a/플롯.pptx
+++ b/플롯.pptx
@@ -262,7 +262,7 @@
           <a:p>
             <a:fld id="{5C026953-134E-44C4-8A9C-30A939654550}" type="datetimeFigureOut">
               <a:rPr lang="ko-KR" altLang="en-US" smtClean="0"/>
-              <a:t>2024-04-17</a:t>
+              <a:t>2024-07-12</a:t>
             </a:fld>
             <a:endParaRPr lang="ko-KR" altLang="en-US"/>
           </a:p>
@@ -460,7 +460,7 @@
           <a:p>
             <a:fld id="{5C026953-134E-44C4-8A9C-30A939654550}" type="datetimeFigureOut">
               <a:rPr lang="ko-KR" altLang="en-US" smtClean="0"/>
-              <a:t>2024-04-17</a:t>
+              <a:t>2024-07-12</a:t>
             </a:fld>
             <a:endParaRPr lang="ko-KR" altLang="en-US"/>
           </a:p>
@@ -668,7 +668,7 @@
           <a:p>
             <a:fld id="{5C026953-134E-44C4-8A9C-30A939654550}" type="datetimeFigureOut">
               <a:rPr lang="ko-KR" altLang="en-US" smtClean="0"/>
-              <a:t>2024-04-17</a:t>
+              <a:t>2024-07-12</a:t>
             </a:fld>
             <a:endParaRPr lang="ko-KR" altLang="en-US"/>
           </a:p>
@@ -866,7 +866,7 @@
           <a:p>
             <a:fld id="{5C026953-134E-44C4-8A9C-30A939654550}" type="datetimeFigureOut">
               <a:rPr lang="ko-KR" altLang="en-US" smtClean="0"/>
-              <a:t>2024-04-17</a:t>
+              <a:t>2024-07-12</a:t>
             </a:fld>
             <a:endParaRPr lang="ko-KR" altLang="en-US"/>
           </a:p>
@@ -1141,7 +1141,7 @@
           <a:p>
             <a:fld id="{5C026953-134E-44C4-8A9C-30A939654550}" type="datetimeFigureOut">
               <a:rPr lang="ko-KR" altLang="en-US" smtClean="0"/>
-              <a:t>2024-04-17</a:t>
+              <a:t>2024-07-12</a:t>
             </a:fld>
             <a:endParaRPr lang="ko-KR" altLang="en-US"/>
           </a:p>
@@ -1406,7 +1406,7 @@
           <a:p>
             <a:fld id="{5C026953-134E-44C4-8A9C-30A939654550}" type="datetimeFigureOut">
               <a:rPr lang="ko-KR" altLang="en-US" smtClean="0"/>
-              <a:t>2024-04-17</a:t>
+              <a:t>2024-07-12</a:t>
             </a:fld>
             <a:endParaRPr lang="ko-KR" altLang="en-US"/>
           </a:p>
@@ -1818,7 +1818,7 @@
           <a:p>
             <a:fld id="{5C026953-134E-44C4-8A9C-30A939654550}" type="datetimeFigureOut">
               <a:rPr lang="ko-KR" altLang="en-US" smtClean="0"/>
-              <a:t>2024-04-17</a:t>
+              <a:t>2024-07-12</a:t>
             </a:fld>
             <a:endParaRPr lang="ko-KR" altLang="en-US"/>
           </a:p>
@@ -1959,7 +1959,7 @@
           <a:p>
             <a:fld id="{5C026953-134E-44C4-8A9C-30A939654550}" type="datetimeFigureOut">
               <a:rPr lang="ko-KR" altLang="en-US" smtClean="0"/>
-              <a:t>2024-04-17</a:t>
+              <a:t>2024-07-12</a:t>
             </a:fld>
             <a:endParaRPr lang="ko-KR" altLang="en-US"/>
           </a:p>
@@ -2072,7 +2072,7 @@
           <a:p>
             <a:fld id="{5C026953-134E-44C4-8A9C-30A939654550}" type="datetimeFigureOut">
               <a:rPr lang="ko-KR" altLang="en-US" smtClean="0"/>
-              <a:t>2024-04-17</a:t>
+              <a:t>2024-07-12</a:t>
             </a:fld>
             <a:endParaRPr lang="ko-KR" altLang="en-US"/>
           </a:p>
@@ -2383,7 +2383,7 @@
           <a:p>
             <a:fld id="{5C026953-134E-44C4-8A9C-30A939654550}" type="datetimeFigureOut">
               <a:rPr lang="ko-KR" altLang="en-US" smtClean="0"/>
-              <a:t>2024-04-17</a:t>
+              <a:t>2024-07-12</a:t>
             </a:fld>
             <a:endParaRPr lang="ko-KR" altLang="en-US"/>
           </a:p>
@@ -2671,7 +2671,7 @@
           <a:p>
             <a:fld id="{5C026953-134E-44C4-8A9C-30A939654550}" type="datetimeFigureOut">
               <a:rPr lang="ko-KR" altLang="en-US" smtClean="0"/>
-              <a:t>2024-04-17</a:t>
+              <a:t>2024-07-12</a:t>
             </a:fld>
             <a:endParaRPr lang="ko-KR" altLang="en-US"/>
           </a:p>
@@ -2912,7 +2912,7 @@
           <a:p>
             <a:fld id="{5C026953-134E-44C4-8A9C-30A939654550}" type="datetimeFigureOut">
               <a:rPr lang="ko-KR" altLang="en-US" smtClean="0"/>
-              <a:t>2024-04-17</a:t>
+              <a:t>2024-07-12</a:t>
             </a:fld>
             <a:endParaRPr lang="ko-KR" altLang="en-US"/>
           </a:p>
